--- a/Visualisations/Fig_Mechanisms_v.4.pptx
+++ b/Visualisations/Fig_Mechanisms_v.4.pptx
@@ -104,6 +104,11 @@
       </a:defRPr>
     </a:lvl9pPr>
   </p:defaultTextStyle>
+  <p:extLst>
+    <p:ext uri="{EFAFB233-063F-42B5-8137-9DF3F51BA10A}">
+      <p15:sldGuideLst xmlns:p15="http://schemas.microsoft.com/office/powerpoint/2012/main"/>
+    </p:ext>
+  </p:extLst>
 </p:presentation>
 </file>
 
@@ -149,7 +154,7 @@
           </a:lstStyle>
           <a:p>
             <a:r>
-              <a:rPr lang="en-US" smtClean="0"/>
+              <a:rPr lang="en-US"/>
               <a:t>Click to edit Master title style</a:t>
             </a:r>
             <a:endParaRPr lang="en-US" dirty="0"/>
@@ -214,7 +219,7 @@
           </a:lstStyle>
           <a:p>
             <a:r>
-              <a:rPr lang="en-US" smtClean="0"/>
+              <a:rPr lang="en-US"/>
               <a:t>Click to edit Master subtitle style</a:t>
             </a:r>
             <a:endParaRPr lang="en-US" dirty="0"/>
@@ -238,7 +243,7 @@
           <a:p>
             <a:fld id="{6A3639C0-D2A6-45AE-83AA-C499180C85F5}" type="datetimeFigureOut">
               <a:rPr lang="en-GB" smtClean="0"/>
-              <a:t>04/06/2021</a:t>
+              <a:t>07/06/2021</a:t>
             </a:fld>
             <a:endParaRPr lang="en-GB"/>
           </a:p>
@@ -332,7 +337,7 @@
           <a:lstStyle/>
           <a:p>
             <a:r>
-              <a:rPr lang="en-US" smtClean="0"/>
+              <a:rPr lang="en-US"/>
               <a:t>Click to edit Master title style</a:t>
             </a:r>
             <a:endParaRPr lang="en-US" dirty="0"/>
@@ -356,35 +361,35 @@
           <a:p>
             <a:pPr lvl="0"/>
             <a:r>
-              <a:rPr lang="en-US" smtClean="0"/>
+              <a:rPr lang="en-US"/>
               <a:t>Edit Master text styles</a:t>
             </a:r>
           </a:p>
           <a:p>
             <a:pPr lvl="1"/>
             <a:r>
-              <a:rPr lang="en-US" smtClean="0"/>
+              <a:rPr lang="en-US"/>
               <a:t>Second level</a:t>
             </a:r>
           </a:p>
           <a:p>
             <a:pPr lvl="2"/>
             <a:r>
-              <a:rPr lang="en-US" smtClean="0"/>
+              <a:rPr lang="en-US"/>
               <a:t>Third level</a:t>
             </a:r>
           </a:p>
           <a:p>
             <a:pPr lvl="3"/>
             <a:r>
-              <a:rPr lang="en-US" smtClean="0"/>
+              <a:rPr lang="en-US"/>
               <a:t>Fourth level</a:t>
             </a:r>
           </a:p>
           <a:p>
             <a:pPr lvl="4"/>
             <a:r>
-              <a:rPr lang="en-US" smtClean="0"/>
+              <a:rPr lang="en-US"/>
               <a:t>Fifth level</a:t>
             </a:r>
             <a:endParaRPr lang="en-US" dirty="0"/>
@@ -408,7 +413,7 @@
           <a:p>
             <a:fld id="{6A3639C0-D2A6-45AE-83AA-C499180C85F5}" type="datetimeFigureOut">
               <a:rPr lang="en-GB" smtClean="0"/>
-              <a:t>04/06/2021</a:t>
+              <a:t>07/06/2021</a:t>
             </a:fld>
             <a:endParaRPr lang="en-GB"/>
           </a:p>
@@ -507,7 +512,7 @@
           <a:lstStyle/>
           <a:p>
             <a:r>
-              <a:rPr lang="en-US" smtClean="0"/>
+              <a:rPr lang="en-US"/>
               <a:t>Click to edit Master title style</a:t>
             </a:r>
             <a:endParaRPr lang="en-US" dirty="0"/>
@@ -536,35 +541,35 @@
           <a:p>
             <a:pPr lvl="0"/>
             <a:r>
-              <a:rPr lang="en-US" smtClean="0"/>
+              <a:rPr lang="en-US"/>
               <a:t>Edit Master text styles</a:t>
             </a:r>
           </a:p>
           <a:p>
             <a:pPr lvl="1"/>
             <a:r>
-              <a:rPr lang="en-US" smtClean="0"/>
+              <a:rPr lang="en-US"/>
               <a:t>Second level</a:t>
             </a:r>
           </a:p>
           <a:p>
             <a:pPr lvl="2"/>
             <a:r>
-              <a:rPr lang="en-US" smtClean="0"/>
+              <a:rPr lang="en-US"/>
               <a:t>Third level</a:t>
             </a:r>
           </a:p>
           <a:p>
             <a:pPr lvl="3"/>
             <a:r>
-              <a:rPr lang="en-US" smtClean="0"/>
+              <a:rPr lang="en-US"/>
               <a:t>Fourth level</a:t>
             </a:r>
           </a:p>
           <a:p>
             <a:pPr lvl="4"/>
             <a:r>
-              <a:rPr lang="en-US" smtClean="0"/>
+              <a:rPr lang="en-US"/>
               <a:t>Fifth level</a:t>
             </a:r>
             <a:endParaRPr lang="en-US" dirty="0"/>
@@ -588,7 +593,7 @@
           <a:p>
             <a:fld id="{6A3639C0-D2A6-45AE-83AA-C499180C85F5}" type="datetimeFigureOut">
               <a:rPr lang="en-GB" smtClean="0"/>
-              <a:t>04/06/2021</a:t>
+              <a:t>07/06/2021</a:t>
             </a:fld>
             <a:endParaRPr lang="en-GB"/>
           </a:p>
@@ -682,7 +687,7 @@
           <a:lstStyle/>
           <a:p>
             <a:r>
-              <a:rPr lang="en-US" smtClean="0"/>
+              <a:rPr lang="en-US"/>
               <a:t>Click to edit Master title style</a:t>
             </a:r>
             <a:endParaRPr lang="en-US" dirty="0"/>
@@ -706,35 +711,35 @@
           <a:p>
             <a:pPr lvl="0"/>
             <a:r>
-              <a:rPr lang="en-US" smtClean="0"/>
+              <a:rPr lang="en-US"/>
               <a:t>Edit Master text styles</a:t>
             </a:r>
           </a:p>
           <a:p>
             <a:pPr lvl="1"/>
             <a:r>
-              <a:rPr lang="en-US" smtClean="0"/>
+              <a:rPr lang="en-US"/>
               <a:t>Second level</a:t>
             </a:r>
           </a:p>
           <a:p>
             <a:pPr lvl="2"/>
             <a:r>
-              <a:rPr lang="en-US" smtClean="0"/>
+              <a:rPr lang="en-US"/>
               <a:t>Third level</a:t>
             </a:r>
           </a:p>
           <a:p>
             <a:pPr lvl="3"/>
             <a:r>
-              <a:rPr lang="en-US" smtClean="0"/>
+              <a:rPr lang="en-US"/>
               <a:t>Fourth level</a:t>
             </a:r>
           </a:p>
           <a:p>
             <a:pPr lvl="4"/>
             <a:r>
-              <a:rPr lang="en-US" smtClean="0"/>
+              <a:rPr lang="en-US"/>
               <a:t>Fifth level</a:t>
             </a:r>
             <a:endParaRPr lang="en-US" dirty="0"/>
@@ -758,7 +763,7 @@
           <a:p>
             <a:fld id="{6A3639C0-D2A6-45AE-83AA-C499180C85F5}" type="datetimeFigureOut">
               <a:rPr lang="en-GB" smtClean="0"/>
-              <a:t>04/06/2021</a:t>
+              <a:t>07/06/2021</a:t>
             </a:fld>
             <a:endParaRPr lang="en-GB"/>
           </a:p>
@@ -861,7 +866,7 @@
           </a:lstStyle>
           <a:p>
             <a:r>
-              <a:rPr lang="en-US" smtClean="0"/>
+              <a:rPr lang="en-US"/>
               <a:t>Click to edit Master title style</a:t>
             </a:r>
             <a:endParaRPr lang="en-US" dirty="0"/>
@@ -979,7 +984,7 @@
           <a:p>
             <a:pPr lvl="0"/>
             <a:r>
-              <a:rPr lang="en-US" smtClean="0"/>
+              <a:rPr lang="en-US"/>
               <a:t>Edit Master text styles</a:t>
             </a:r>
           </a:p>
@@ -1002,7 +1007,7 @@
           <a:p>
             <a:fld id="{6A3639C0-D2A6-45AE-83AA-C499180C85F5}" type="datetimeFigureOut">
               <a:rPr lang="en-GB" smtClean="0"/>
-              <a:t>04/06/2021</a:t>
+              <a:t>07/06/2021</a:t>
             </a:fld>
             <a:endParaRPr lang="en-GB"/>
           </a:p>
@@ -1096,7 +1101,7 @@
           <a:lstStyle/>
           <a:p>
             <a:r>
-              <a:rPr lang="en-US" smtClean="0"/>
+              <a:rPr lang="en-US"/>
               <a:t>Click to edit Master title style</a:t>
             </a:r>
             <a:endParaRPr lang="en-US" dirty="0"/>
@@ -1125,35 +1130,35 @@
           <a:p>
             <a:pPr lvl="0"/>
             <a:r>
-              <a:rPr lang="en-US" smtClean="0"/>
+              <a:rPr lang="en-US"/>
               <a:t>Edit Master text styles</a:t>
             </a:r>
           </a:p>
           <a:p>
             <a:pPr lvl="1"/>
             <a:r>
-              <a:rPr lang="en-US" smtClean="0"/>
+              <a:rPr lang="en-US"/>
               <a:t>Second level</a:t>
             </a:r>
           </a:p>
           <a:p>
             <a:pPr lvl="2"/>
             <a:r>
-              <a:rPr lang="en-US" smtClean="0"/>
+              <a:rPr lang="en-US"/>
               <a:t>Third level</a:t>
             </a:r>
           </a:p>
           <a:p>
             <a:pPr lvl="3"/>
             <a:r>
-              <a:rPr lang="en-US" smtClean="0"/>
+              <a:rPr lang="en-US"/>
               <a:t>Fourth level</a:t>
             </a:r>
           </a:p>
           <a:p>
             <a:pPr lvl="4"/>
             <a:r>
-              <a:rPr lang="en-US" smtClean="0"/>
+              <a:rPr lang="en-US"/>
               <a:t>Fifth level</a:t>
             </a:r>
             <a:endParaRPr lang="en-US" dirty="0"/>
@@ -1182,35 +1187,35 @@
           <a:p>
             <a:pPr lvl="0"/>
             <a:r>
-              <a:rPr lang="en-US" smtClean="0"/>
+              <a:rPr lang="en-US"/>
               <a:t>Edit Master text styles</a:t>
             </a:r>
           </a:p>
           <a:p>
             <a:pPr lvl="1"/>
             <a:r>
-              <a:rPr lang="en-US" smtClean="0"/>
+              <a:rPr lang="en-US"/>
               <a:t>Second level</a:t>
             </a:r>
           </a:p>
           <a:p>
             <a:pPr lvl="2"/>
             <a:r>
-              <a:rPr lang="en-US" smtClean="0"/>
+              <a:rPr lang="en-US"/>
               <a:t>Third level</a:t>
             </a:r>
           </a:p>
           <a:p>
             <a:pPr lvl="3"/>
             <a:r>
-              <a:rPr lang="en-US" smtClean="0"/>
+              <a:rPr lang="en-US"/>
               <a:t>Fourth level</a:t>
             </a:r>
           </a:p>
           <a:p>
             <a:pPr lvl="4"/>
             <a:r>
-              <a:rPr lang="en-US" smtClean="0"/>
+              <a:rPr lang="en-US"/>
               <a:t>Fifth level</a:t>
             </a:r>
             <a:endParaRPr lang="en-US" dirty="0"/>
@@ -1234,7 +1239,7 @@
           <a:p>
             <a:fld id="{6A3639C0-D2A6-45AE-83AA-C499180C85F5}" type="datetimeFigureOut">
               <a:rPr lang="en-GB" smtClean="0"/>
-              <a:t>04/06/2021</a:t>
+              <a:t>07/06/2021</a:t>
             </a:fld>
             <a:endParaRPr lang="en-GB"/>
           </a:p>
@@ -1333,7 +1338,7 @@
           <a:lstStyle/>
           <a:p>
             <a:r>
-              <a:rPr lang="en-US" smtClean="0"/>
+              <a:rPr lang="en-US"/>
               <a:t>Click to edit Master title style</a:t>
             </a:r>
             <a:endParaRPr lang="en-US" dirty="0"/>
@@ -1399,7 +1404,7 @@
           <a:p>
             <a:pPr lvl="0"/>
             <a:r>
-              <a:rPr lang="en-US" smtClean="0"/>
+              <a:rPr lang="en-US"/>
               <a:t>Edit Master text styles</a:t>
             </a:r>
           </a:p>
@@ -1427,35 +1432,35 @@
           <a:p>
             <a:pPr lvl="0"/>
             <a:r>
-              <a:rPr lang="en-US" smtClean="0"/>
+              <a:rPr lang="en-US"/>
               <a:t>Edit Master text styles</a:t>
             </a:r>
           </a:p>
           <a:p>
             <a:pPr lvl="1"/>
             <a:r>
-              <a:rPr lang="en-US" smtClean="0"/>
+              <a:rPr lang="en-US"/>
               <a:t>Second level</a:t>
             </a:r>
           </a:p>
           <a:p>
             <a:pPr lvl="2"/>
             <a:r>
-              <a:rPr lang="en-US" smtClean="0"/>
+              <a:rPr lang="en-US"/>
               <a:t>Third level</a:t>
             </a:r>
           </a:p>
           <a:p>
             <a:pPr lvl="3"/>
             <a:r>
-              <a:rPr lang="en-US" smtClean="0"/>
+              <a:rPr lang="en-US"/>
               <a:t>Fourth level</a:t>
             </a:r>
           </a:p>
           <a:p>
             <a:pPr lvl="4"/>
             <a:r>
-              <a:rPr lang="en-US" smtClean="0"/>
+              <a:rPr lang="en-US"/>
               <a:t>Fifth level</a:t>
             </a:r>
             <a:endParaRPr lang="en-US" dirty="0"/>
@@ -1521,7 +1526,7 @@
           <a:p>
             <a:pPr lvl="0"/>
             <a:r>
-              <a:rPr lang="en-US" smtClean="0"/>
+              <a:rPr lang="en-US"/>
               <a:t>Edit Master text styles</a:t>
             </a:r>
           </a:p>
@@ -1549,35 +1554,35 @@
           <a:p>
             <a:pPr lvl="0"/>
             <a:r>
-              <a:rPr lang="en-US" smtClean="0"/>
+              <a:rPr lang="en-US"/>
               <a:t>Edit Master text styles</a:t>
             </a:r>
           </a:p>
           <a:p>
             <a:pPr lvl="1"/>
             <a:r>
-              <a:rPr lang="en-US" smtClean="0"/>
+              <a:rPr lang="en-US"/>
               <a:t>Second level</a:t>
             </a:r>
           </a:p>
           <a:p>
             <a:pPr lvl="2"/>
             <a:r>
-              <a:rPr lang="en-US" smtClean="0"/>
+              <a:rPr lang="en-US"/>
               <a:t>Third level</a:t>
             </a:r>
           </a:p>
           <a:p>
             <a:pPr lvl="3"/>
             <a:r>
-              <a:rPr lang="en-US" smtClean="0"/>
+              <a:rPr lang="en-US"/>
               <a:t>Fourth level</a:t>
             </a:r>
           </a:p>
           <a:p>
             <a:pPr lvl="4"/>
             <a:r>
-              <a:rPr lang="en-US" smtClean="0"/>
+              <a:rPr lang="en-US"/>
               <a:t>Fifth level</a:t>
             </a:r>
             <a:endParaRPr lang="en-US" dirty="0"/>
@@ -1601,7 +1606,7 @@
           <a:p>
             <a:fld id="{6A3639C0-D2A6-45AE-83AA-C499180C85F5}" type="datetimeFigureOut">
               <a:rPr lang="en-GB" smtClean="0"/>
-              <a:t>04/06/2021</a:t>
+              <a:t>07/06/2021</a:t>
             </a:fld>
             <a:endParaRPr lang="en-GB"/>
           </a:p>
@@ -1695,7 +1700,7 @@
           <a:lstStyle/>
           <a:p>
             <a:r>
-              <a:rPr lang="en-US" smtClean="0"/>
+              <a:rPr lang="en-US"/>
               <a:t>Click to edit Master title style</a:t>
             </a:r>
             <a:endParaRPr lang="en-US" dirty="0"/>
@@ -1719,7 +1724,7 @@
           <a:p>
             <a:fld id="{6A3639C0-D2A6-45AE-83AA-C499180C85F5}" type="datetimeFigureOut">
               <a:rPr lang="en-GB" smtClean="0"/>
-              <a:t>04/06/2021</a:t>
+              <a:t>07/06/2021</a:t>
             </a:fld>
             <a:endParaRPr lang="en-GB"/>
           </a:p>
@@ -1814,7 +1819,7 @@
           <a:p>
             <a:fld id="{6A3639C0-D2A6-45AE-83AA-C499180C85F5}" type="datetimeFigureOut">
               <a:rPr lang="en-GB" smtClean="0"/>
-              <a:t>04/06/2021</a:t>
+              <a:t>07/06/2021</a:t>
             </a:fld>
             <a:endParaRPr lang="en-GB"/>
           </a:p>
@@ -1917,7 +1922,7 @@
           </a:lstStyle>
           <a:p>
             <a:r>
-              <a:rPr lang="en-US" smtClean="0"/>
+              <a:rPr lang="en-US"/>
               <a:t>Click to edit Master title style</a:t>
             </a:r>
             <a:endParaRPr lang="en-US" dirty="0"/>
@@ -1974,35 +1979,35 @@
           <a:p>
             <a:pPr lvl="0"/>
             <a:r>
-              <a:rPr lang="en-US" smtClean="0"/>
+              <a:rPr lang="en-US"/>
               <a:t>Edit Master text styles</a:t>
             </a:r>
           </a:p>
           <a:p>
             <a:pPr lvl="1"/>
             <a:r>
-              <a:rPr lang="en-US" smtClean="0"/>
+              <a:rPr lang="en-US"/>
               <a:t>Second level</a:t>
             </a:r>
           </a:p>
           <a:p>
             <a:pPr lvl="2"/>
             <a:r>
-              <a:rPr lang="en-US" smtClean="0"/>
+              <a:rPr lang="en-US"/>
               <a:t>Third level</a:t>
             </a:r>
           </a:p>
           <a:p>
             <a:pPr lvl="3"/>
             <a:r>
-              <a:rPr lang="en-US" smtClean="0"/>
+              <a:rPr lang="en-US"/>
               <a:t>Fourth level</a:t>
             </a:r>
           </a:p>
           <a:p>
             <a:pPr lvl="4"/>
             <a:r>
-              <a:rPr lang="en-US" smtClean="0"/>
+              <a:rPr lang="en-US"/>
               <a:t>Fifth level</a:t>
             </a:r>
             <a:endParaRPr lang="en-US" dirty="0"/>
@@ -2068,7 +2073,7 @@
           <a:p>
             <a:pPr lvl="0"/>
             <a:r>
-              <a:rPr lang="en-US" smtClean="0"/>
+              <a:rPr lang="en-US"/>
               <a:t>Edit Master text styles</a:t>
             </a:r>
           </a:p>
@@ -2091,7 +2096,7 @@
           <a:p>
             <a:fld id="{6A3639C0-D2A6-45AE-83AA-C499180C85F5}" type="datetimeFigureOut">
               <a:rPr lang="en-GB" smtClean="0"/>
-              <a:t>04/06/2021</a:t>
+              <a:t>07/06/2021</a:t>
             </a:fld>
             <a:endParaRPr lang="en-GB"/>
           </a:p>
@@ -2194,7 +2199,7 @@
           </a:lstStyle>
           <a:p>
             <a:r>
-              <a:rPr lang="en-US" smtClean="0"/>
+              <a:rPr lang="en-US"/>
               <a:t>Click to edit Master title style</a:t>
             </a:r>
             <a:endParaRPr lang="en-US" dirty="0"/>
@@ -2259,7 +2264,7 @@
           </a:lstStyle>
           <a:p>
             <a:r>
-              <a:rPr lang="en-US" smtClean="0"/>
+              <a:rPr lang="en-US"/>
               <a:t>Click icon to add picture</a:t>
             </a:r>
             <a:endParaRPr lang="en-US" dirty="0"/>
@@ -2325,7 +2330,7 @@
           <a:p>
             <a:pPr lvl="0"/>
             <a:r>
-              <a:rPr lang="en-US" smtClean="0"/>
+              <a:rPr lang="en-US"/>
               <a:t>Edit Master text styles</a:t>
             </a:r>
           </a:p>
@@ -2348,7 +2353,7 @@
           <a:p>
             <a:fld id="{6A3639C0-D2A6-45AE-83AA-C499180C85F5}" type="datetimeFigureOut">
               <a:rPr lang="en-GB" smtClean="0"/>
-              <a:t>04/06/2021</a:t>
+              <a:t>07/06/2021</a:t>
             </a:fld>
             <a:endParaRPr lang="en-GB"/>
           </a:p>
@@ -2457,7 +2462,7 @@
           <a:lstStyle/>
           <a:p>
             <a:r>
-              <a:rPr lang="en-US" smtClean="0"/>
+              <a:rPr lang="en-US"/>
               <a:t>Click to edit Master title style</a:t>
             </a:r>
             <a:endParaRPr lang="en-US" dirty="0"/>
@@ -2491,35 +2496,35 @@
           <a:p>
             <a:pPr lvl="0"/>
             <a:r>
-              <a:rPr lang="en-US" smtClean="0"/>
+              <a:rPr lang="en-US"/>
               <a:t>Edit Master text styles</a:t>
             </a:r>
           </a:p>
           <a:p>
             <a:pPr lvl="1"/>
             <a:r>
-              <a:rPr lang="en-US" smtClean="0"/>
+              <a:rPr lang="en-US"/>
               <a:t>Second level</a:t>
             </a:r>
           </a:p>
           <a:p>
             <a:pPr lvl="2"/>
             <a:r>
-              <a:rPr lang="en-US" smtClean="0"/>
+              <a:rPr lang="en-US"/>
               <a:t>Third level</a:t>
             </a:r>
           </a:p>
           <a:p>
             <a:pPr lvl="3"/>
             <a:r>
-              <a:rPr lang="en-US" smtClean="0"/>
+              <a:rPr lang="en-US"/>
               <a:t>Fourth level</a:t>
             </a:r>
           </a:p>
           <a:p>
             <a:pPr lvl="4"/>
             <a:r>
-              <a:rPr lang="en-US" smtClean="0"/>
+              <a:rPr lang="en-US"/>
               <a:t>Fifth level</a:t>
             </a:r>
             <a:endParaRPr lang="en-US" dirty="0"/>
@@ -2561,7 +2566,7 @@
           <a:p>
             <a:fld id="{6A3639C0-D2A6-45AE-83AA-C499180C85F5}" type="datetimeFigureOut">
               <a:rPr lang="en-GB" smtClean="0"/>
-              <a:t>04/06/2021</a:t>
+              <a:t>07/06/2021</a:t>
             </a:fld>
             <a:endParaRPr lang="en-GB"/>
           </a:p>
@@ -2966,33 +2971,33 @@
           <a:chExt cx="0" cy="0"/>
         </a:xfrm>
       </p:grpSpPr>
-      <p:sp>
-        <p:nvSpPr>
-          <p:cNvPr id="53" name="TextBox 52">
+      <p:cxnSp>
+        <p:nvCxnSpPr>
+          <p:cNvPr id="36" name="Straight Arrow Connector 35">
             <a:extLst>
               <a:ext uri="{FF2B5EF4-FFF2-40B4-BE49-F238E27FC236}">
-                <a16:creationId xmlns:a16="http://schemas.microsoft.com/office/drawing/2014/main" id="{3523D91F-8B7D-4118-A465-65C6FEF8F27C}"/>
+                <a16:creationId xmlns:a16="http://schemas.microsoft.com/office/drawing/2014/main" id="{30E96DDF-AE07-4B33-90AF-AC2DA8C74288}"/>
               </a:ext>
             </a:extLst>
           </p:cNvPr>
-          <p:cNvSpPr txBox="1"/>
+          <p:cNvCxnSpPr>
+            <a:cxnSpLocks/>
+          </p:cNvCxnSpPr>
           <p:nvPr/>
-        </p:nvSpPr>
+        </p:nvCxnSpPr>
         <p:spPr>
           <a:xfrm>
-            <a:off x="1561957" y="12786573"/>
-            <a:ext cx="4705812" cy="1018036"/>
-          </a:xfrm>
-          <a:prstGeom prst="rect">
+            <a:off x="4177565" y="12400429"/>
+            <a:ext cx="0" cy="356681"/>
+          </a:xfrm>
+          <a:prstGeom prst="straightConnector1">
             <a:avLst/>
           </a:prstGeom>
-          <a:solidFill>
-            <a:schemeClr val="bg1"/>
-          </a:solidFill>
-          <a:ln w="19050">
+          <a:ln w="28575">
             <a:solidFill>
-              <a:schemeClr val="tx1"/>
+              <a:srgbClr val="0066CC"/>
             </a:solidFill>
+            <a:tailEnd type="triangle"/>
           </a:ln>
         </p:spPr>
         <p:style>
@@ -3011,6 +3016,190 @@
             <a:schemeClr val="lt1"/>
           </a:fontRef>
         </p:style>
+      </p:cxnSp>
+      <p:cxnSp>
+        <p:nvCxnSpPr>
+          <p:cNvPr id="51" name="Straight Arrow Connector 50">
+            <a:extLst>
+              <a:ext uri="{FF2B5EF4-FFF2-40B4-BE49-F238E27FC236}">
+                <a16:creationId xmlns:a16="http://schemas.microsoft.com/office/drawing/2014/main" id="{691D233C-9291-4FB3-A1DC-430B0CC13E28}"/>
+              </a:ext>
+            </a:extLst>
+          </p:cNvPr>
+          <p:cNvCxnSpPr>
+            <a:cxnSpLocks/>
+          </p:cNvCxnSpPr>
+          <p:nvPr/>
+        </p:nvCxnSpPr>
+        <p:spPr>
+          <a:xfrm>
+            <a:off x="4339070" y="12400476"/>
+            <a:ext cx="0" cy="356681"/>
+          </a:xfrm>
+          <a:prstGeom prst="straightConnector1">
+            <a:avLst/>
+          </a:prstGeom>
+          <a:ln w="28575">
+            <a:solidFill>
+              <a:srgbClr val="669900"/>
+            </a:solidFill>
+            <a:tailEnd type="triangle"/>
+          </a:ln>
+        </p:spPr>
+        <p:style>
+          <a:lnRef idx="2">
+            <a:schemeClr val="accent3">
+              <a:shade val="50000"/>
+            </a:schemeClr>
+          </a:lnRef>
+          <a:fillRef idx="1">
+            <a:schemeClr val="accent3"/>
+          </a:fillRef>
+          <a:effectRef idx="0">
+            <a:schemeClr val="accent3"/>
+          </a:effectRef>
+          <a:fontRef idx="minor">
+            <a:schemeClr val="lt1"/>
+          </a:fontRef>
+        </p:style>
+      </p:cxnSp>
+      <p:cxnSp>
+        <p:nvCxnSpPr>
+          <p:cNvPr id="41" name="Straight Arrow Connector 40">
+            <a:extLst>
+              <a:ext uri="{FF2B5EF4-FFF2-40B4-BE49-F238E27FC236}">
+                <a16:creationId xmlns:a16="http://schemas.microsoft.com/office/drawing/2014/main" id="{C3BD2DD8-9FDB-4844-BFC5-A4A34D61DBB6}"/>
+              </a:ext>
+            </a:extLst>
+          </p:cNvPr>
+          <p:cNvCxnSpPr>
+            <a:cxnSpLocks/>
+          </p:cNvCxnSpPr>
+          <p:nvPr/>
+        </p:nvCxnSpPr>
+        <p:spPr>
+          <a:xfrm>
+            <a:off x="1762120" y="11996472"/>
+            <a:ext cx="0" cy="760638"/>
+          </a:xfrm>
+          <a:prstGeom prst="straightConnector1">
+            <a:avLst/>
+          </a:prstGeom>
+          <a:ln w="28575">
+            <a:solidFill>
+              <a:srgbClr val="0066CC"/>
+            </a:solidFill>
+            <a:tailEnd type="triangle"/>
+          </a:ln>
+        </p:spPr>
+        <p:style>
+          <a:lnRef idx="2">
+            <a:schemeClr val="accent3">
+              <a:shade val="50000"/>
+            </a:schemeClr>
+          </a:lnRef>
+          <a:fillRef idx="1">
+            <a:schemeClr val="accent3"/>
+          </a:fillRef>
+          <a:effectRef idx="0">
+            <a:schemeClr val="accent3"/>
+          </a:effectRef>
+          <a:fontRef idx="minor">
+            <a:schemeClr val="lt1"/>
+          </a:fontRef>
+        </p:style>
+      </p:cxnSp>
+      <p:cxnSp>
+        <p:nvCxnSpPr>
+          <p:cNvPr id="108" name="Straight Arrow Connector 107">
+            <a:extLst>
+              <a:ext uri="{FF2B5EF4-FFF2-40B4-BE49-F238E27FC236}">
+                <a16:creationId xmlns:a16="http://schemas.microsoft.com/office/drawing/2014/main" id="{C3BD2DD8-9FDB-4844-BFC5-A4A34D61DBB6}"/>
+              </a:ext>
+            </a:extLst>
+          </p:cNvPr>
+          <p:cNvCxnSpPr>
+            <a:cxnSpLocks/>
+          </p:cNvCxnSpPr>
+          <p:nvPr/>
+        </p:nvCxnSpPr>
+        <p:spPr>
+          <a:xfrm>
+            <a:off x="3475905" y="11991815"/>
+            <a:ext cx="537464" cy="106344"/>
+          </a:xfrm>
+          <a:prstGeom prst="straightConnector1">
+            <a:avLst/>
+          </a:prstGeom>
+          <a:ln w="28575">
+            <a:solidFill>
+              <a:srgbClr val="0066CC"/>
+            </a:solidFill>
+            <a:tailEnd type="triangle"/>
+          </a:ln>
+        </p:spPr>
+        <p:style>
+          <a:lnRef idx="2">
+            <a:schemeClr val="accent3">
+              <a:shade val="50000"/>
+            </a:schemeClr>
+          </a:lnRef>
+          <a:fillRef idx="1">
+            <a:schemeClr val="accent3"/>
+          </a:fillRef>
+          <a:effectRef idx="0">
+            <a:schemeClr val="accent3"/>
+          </a:effectRef>
+          <a:fontRef idx="minor">
+            <a:schemeClr val="lt1"/>
+          </a:fontRef>
+        </p:style>
+      </p:cxnSp>
+      <p:sp>
+        <p:nvSpPr>
+          <p:cNvPr id="53" name="TextBox 52">
+            <a:extLst>
+              <a:ext uri="{FF2B5EF4-FFF2-40B4-BE49-F238E27FC236}">
+                <a16:creationId xmlns:a16="http://schemas.microsoft.com/office/drawing/2014/main" id="{3523D91F-8B7D-4118-A465-65C6FEF8F27C}"/>
+              </a:ext>
+            </a:extLst>
+          </p:cNvPr>
+          <p:cNvSpPr txBox="1"/>
+          <p:nvPr/>
+        </p:nvSpPr>
+        <p:spPr>
+          <a:xfrm>
+            <a:off x="1561957" y="12786573"/>
+            <a:ext cx="4705812" cy="1018036"/>
+          </a:xfrm>
+          <a:prstGeom prst="rect">
+            <a:avLst/>
+          </a:prstGeom>
+          <a:solidFill>
+            <a:schemeClr val="bg1"/>
+          </a:solidFill>
+          <a:ln w="19050">
+            <a:solidFill>
+              <a:schemeClr val="tx1"/>
+            </a:solidFill>
+          </a:ln>
+        </p:spPr>
+        <p:style>
+          <a:lnRef idx="2">
+            <a:schemeClr val="accent3">
+              <a:shade val="50000"/>
+            </a:schemeClr>
+          </a:lnRef>
+          <a:fillRef idx="1">
+            <a:schemeClr val="accent3"/>
+          </a:fillRef>
+          <a:effectRef idx="0">
+            <a:schemeClr val="accent3"/>
+          </a:effectRef>
+          <a:fontRef idx="minor">
+            <a:schemeClr val="lt1"/>
+          </a:fontRef>
+        </p:style>
         <p:txBody>
           <a:bodyPr wrap="square" rtlCol="0">
             <a:spAutoFit/>
@@ -3126,84 +3315,14 @@
                 <a:latin typeface="Arial" panose="020B0604020202020204" pitchFamily="34" charset="0"/>
                 <a:cs typeface="Arial" panose="020B0604020202020204" pitchFamily="34" charset="0"/>
               </a:rPr>
-              <a:t>, i.e. </a:t>
-            </a:r>
-            <a:r>
-              <a:rPr lang="en-GB" sz="1200" dirty="0">
-                <a:latin typeface="Arial" panose="020B0604020202020204" pitchFamily="34" charset="0"/>
-                <a:cs typeface="Arial" panose="020B0604020202020204" pitchFamily="34" charset="0"/>
-              </a:rPr>
-              <a:t>within-population changes in the composition of </a:t>
-            </a:r>
-            <a:r>
-              <a:rPr lang="en-GB" sz="1200" dirty="0" smtClean="0">
-                <a:latin typeface="Arial" panose="020B0604020202020204" pitchFamily="34" charset="0"/>
-                <a:cs typeface="Arial" panose="020B0604020202020204" pitchFamily="34" charset="0"/>
-              </a:rPr>
-              <a:t>traits linked </a:t>
-            </a:r>
-            <a:r>
-              <a:rPr lang="en-GB" sz="1200" dirty="0">
-                <a:latin typeface="Arial" panose="020B0604020202020204" pitchFamily="34" charset="0"/>
-                <a:cs typeface="Arial" panose="020B0604020202020204" pitchFamily="34" charset="0"/>
-              </a:rPr>
-              <a:t>to </a:t>
-            </a:r>
-            <a:r>
-              <a:rPr lang="en-GB" sz="1200" dirty="0" smtClean="0">
-                <a:latin typeface="Arial" panose="020B0604020202020204" pitchFamily="34" charset="0"/>
-                <a:cs typeface="Arial" panose="020B0604020202020204" pitchFamily="34" charset="0"/>
-              </a:rPr>
-              <a:t>cooperation-antagonism</a:t>
-            </a:r>
-            <a:r>
-              <a:rPr lang="en-GB" sz="1200" dirty="0">
-                <a:latin typeface="Arial" panose="020B0604020202020204" pitchFamily="34" charset="0"/>
-                <a:cs typeface="Arial" panose="020B0604020202020204" pitchFamily="34" charset="0"/>
-              </a:rPr>
-              <a:t>, e.g. </a:t>
-            </a:r>
-            <a:r>
-              <a:rPr lang="en-GB" sz="1200" dirty="0">
-                <a:latin typeface="Arial" panose="020B0604020202020204" pitchFamily="34" charset="0"/>
-                <a:cs typeface="Arial" panose="020B0604020202020204" pitchFamily="34" charset="0"/>
-              </a:rPr>
-              <a:t>due to </a:t>
+              <a:t>, i.e. within-population changes in the composition of traits linked to cooperation-antagonism, e.g. due to </a:t>
             </a:r>
             <a:r>
               <a:rPr lang="en-US" sz="1200" dirty="0">
                 <a:latin typeface="Arial" panose="020B0604020202020204" pitchFamily="34" charset="0"/>
                 <a:cs typeface="Arial" panose="020B0604020202020204" pitchFamily="34" charset="0"/>
               </a:rPr>
-              <a:t>selective </a:t>
-            </a:r>
-            <a:r>
-              <a:rPr lang="en-US" sz="1200" dirty="0">
-                <a:latin typeface="Arial" panose="020B0604020202020204" pitchFamily="34" charset="0"/>
-                <a:cs typeface="Arial" panose="020B0604020202020204" pitchFamily="34" charset="0"/>
-              </a:rPr>
-              <a:t>or genetic drift </a:t>
-            </a:r>
-            <a:r>
-              <a:rPr lang="en-US" sz="1200" dirty="0">
-                <a:latin typeface="Arial" panose="020B0604020202020204" pitchFamily="34" charset="0"/>
-                <a:cs typeface="Arial" panose="020B0604020202020204" pitchFamily="34" charset="0"/>
-              </a:rPr>
-              <a:t>effects, or </a:t>
-            </a:r>
-            <a:r>
-              <a:rPr lang="en-US" sz="1200" dirty="0" smtClean="0">
-                <a:latin typeface="Arial" panose="020B0604020202020204" pitchFamily="34" charset="0"/>
-                <a:cs typeface="Arial" panose="020B0604020202020204" pitchFamily="34" charset="0"/>
-              </a:rPr>
-              <a:t>phenotypic </a:t>
-            </a:r>
-            <a:r>
-              <a:rPr lang="en-US" sz="1200" dirty="0">
-                <a:latin typeface="Arial" panose="020B0604020202020204" pitchFamily="34" charset="0"/>
-                <a:cs typeface="Arial" panose="020B0604020202020204" pitchFamily="34" charset="0"/>
-              </a:rPr>
-              <a:t>plasticity.</a:t>
+              <a:t>selective or genetic drift effects, or phenotypic plasticity.</a:t>
             </a:r>
           </a:p>
           <a:p>
@@ -3263,33 +3382,15 @@
                 <a:latin typeface="Arial" panose="020B0604020202020204" pitchFamily="34" charset="0"/>
                 <a:cs typeface="Arial" panose="020B0604020202020204" pitchFamily="34" charset="0"/>
               </a:rPr>
-              <a:t>Systemic </a:t>
-            </a:r>
-            <a:r>
-              <a:rPr lang="en-GB" sz="1200" i="1" dirty="0">
-                <a:latin typeface="Arial" panose="020B0604020202020204" pitchFamily="34" charset="0"/>
-                <a:cs typeface="Arial" panose="020B0604020202020204" pitchFamily="34" charset="0"/>
-              </a:rPr>
-              <a:t>variance effects</a:t>
+              <a:t>Systemic variance effects</a:t>
             </a:r>
             <a:r>
               <a:rPr lang="en-GB" sz="1200" dirty="0">
                 <a:latin typeface="Arial" panose="020B0604020202020204" pitchFamily="34" charset="0"/>
                 <a:cs typeface="Arial" panose="020B0604020202020204" pitchFamily="34" charset="0"/>
               </a:rPr>
-              <a:t>, i.e. the level of trait variation within a population is linked to cooperation/antagonism, </a:t>
-            </a:r>
-            <a:r>
-              <a:rPr lang="en-GB" sz="1200" dirty="0">
-                <a:latin typeface="Arial" panose="020B0604020202020204" pitchFamily="34" charset="0"/>
-                <a:cs typeface="Arial" panose="020B0604020202020204" pitchFamily="34" charset="0"/>
-              </a:rPr>
-              <a:t>where greater ITV within a population can be associated with either more cooperative or more antagonistic outcomes.</a:t>
-            </a:r>
-            <a:endParaRPr lang="en-GB" sz="1200" dirty="0">
-              <a:latin typeface="Arial" panose="020B0604020202020204" pitchFamily="34" charset="0"/>
-              <a:cs typeface="Arial" panose="020B0604020202020204" pitchFamily="34" charset="0"/>
-            </a:endParaRPr>
+              <a:t>, i.e. the level of trait variation within a population is linked to cooperation/antagonism, where greater ITV within a population can be associated with either more cooperative or more antagonistic outcomes.</a:t>
+            </a:r>
           </a:p>
         </p:txBody>
       </p:sp>
@@ -3678,9 +3779,9 @@
             </a:pathLst>
           </a:custGeom>
           <a:solidFill>
-            <a:schemeClr val="bg1">
-              <a:lumMod val="95000"/>
-            </a:schemeClr>
+            <a:srgbClr val="99CC00">
+              <a:alpha val="20000"/>
+            </a:srgbClr>
           </a:solidFill>
           <a:ln w="19050">
             <a:solidFill>
@@ -4013,8 +4114,8 @@
             </a:pathLst>
           </a:custGeom>
           <a:solidFill>
-            <a:srgbClr val="F2F2F2">
-              <a:alpha val="50196"/>
+            <a:srgbClr val="99CC00">
+              <a:alpha val="20000"/>
             </a:srgbClr>
           </a:solidFill>
           <a:ln w="19050">
@@ -4301,21 +4402,7 @@
                 <a:latin typeface="Arial" panose="020B0604020202020204" pitchFamily="34" charset="0"/>
                 <a:cs typeface="Arial" panose="020B0604020202020204" pitchFamily="34" charset="0"/>
               </a:rPr>
-              <a:t>where there is </a:t>
-            </a:r>
-            <a:r>
-              <a:rPr lang="en-US" sz="1100" dirty="0">
-                <a:latin typeface="Arial" panose="020B0604020202020204" pitchFamily="34" charset="0"/>
-                <a:cs typeface="Arial" panose="020B0604020202020204" pitchFamily="34" charset="0"/>
-              </a:rPr>
-              <a:t>covariation </a:t>
-            </a:r>
-            <a:r>
-              <a:rPr lang="en-US" sz="1100" dirty="0">
-                <a:latin typeface="Arial" panose="020B0604020202020204" pitchFamily="34" charset="0"/>
-                <a:cs typeface="Arial" panose="020B0604020202020204" pitchFamily="34" charset="0"/>
-              </a:rPr>
-              <a:t>between trait </a:t>
+              <a:t>where there is covariation between trait </a:t>
             </a:r>
             <a:r>
               <a:rPr lang="el-GR" sz="1100" dirty="0">
@@ -4336,36 +4423,10 @@
                 <a:latin typeface="Arial" panose="020B0604020202020204" pitchFamily="34" charset="0"/>
                 <a:cs typeface="Arial" panose="020B0604020202020204" pitchFamily="34" charset="0"/>
               </a:rPr>
-              <a:t>, e.g</a:t>
-            </a:r>
-            <a:r>
-              <a:rPr lang="en-GB" sz="1100" dirty="0">
-                <a:latin typeface="Arial" panose="020B0604020202020204" pitchFamily="34" charset="0"/>
-                <a:cs typeface="Arial" panose="020B0604020202020204" pitchFamily="34" charset="0"/>
-              </a:rPr>
-              <a:t>. aggressive </a:t>
-            </a:r>
-            <a:r>
-              <a:rPr lang="en-GB" sz="1100" dirty="0">
-                <a:latin typeface="Arial" panose="020B0604020202020204" pitchFamily="34" charset="0"/>
-                <a:cs typeface="Arial" panose="020B0604020202020204" pitchFamily="34" charset="0"/>
-              </a:rPr>
-              <a:t>phenotypes</a:t>
-            </a:r>
-            <a:r>
-              <a:rPr lang="en-GB" sz="1100" dirty="0">
-                <a:latin typeface="Arial" panose="020B0604020202020204" pitchFamily="34" charset="0"/>
-                <a:cs typeface="Arial" panose="020B0604020202020204" pitchFamily="34" charset="0"/>
-              </a:rPr>
-              <a:t>, cheater phenotypes, </a:t>
-            </a:r>
-            <a:r>
-              <a:rPr lang="en-GB" sz="1100" dirty="0">
-                <a:latin typeface="Arial" panose="020B0604020202020204" pitchFamily="34" charset="0"/>
-                <a:cs typeface="Arial" panose="020B0604020202020204" pitchFamily="34" charset="0"/>
-              </a:rPr>
-              <a:t>etc.,   </a:t>
-            </a:r>
+              <a:t>, e.g. aggressive phenotypes, cheater phenotypes, etc.,   </a:t>
+            </a:r>
+          </a:p>
+          <a:p>
             <a:r>
               <a:rPr lang="en-AU" sz="1100" dirty="0">
                 <a:latin typeface="Arial" panose="020B0604020202020204" pitchFamily="34" charset="0"/>
@@ -4387,10 +4448,6 @@
               </a:rPr>
               <a:t>α</a:t>
             </a:r>
-            <a:endParaRPr lang="el-GR" sz="1100" b="1" i="1" dirty="0">
-              <a:latin typeface="Arial" panose="020B0604020202020204" pitchFamily="34" charset="0"/>
-              <a:cs typeface="Arial" panose="020B0604020202020204" pitchFamily="34" charset="0"/>
-            </a:endParaRPr>
           </a:p>
         </p:txBody>
       </p:sp>
@@ -4427,14 +4484,7 @@
                 <a:latin typeface="Arial" panose="020B0604020202020204" pitchFamily="34" charset="0"/>
                 <a:cs typeface="Arial" panose="020B0604020202020204" pitchFamily="34" charset="0"/>
               </a:rPr>
-              <a:t>* where </a:t>
-            </a:r>
-            <a:r>
-              <a:rPr lang="en-GB" sz="1100" dirty="0">
-                <a:latin typeface="Arial" panose="020B0604020202020204" pitchFamily="34" charset="0"/>
-                <a:cs typeface="Arial" panose="020B0604020202020204" pitchFamily="34" charset="0"/>
-              </a:rPr>
-              <a:t>the level of variation in trait </a:t>
+              <a:t>* where the level of variation in trait </a:t>
             </a:r>
             <a:r>
               <a:rPr lang="el-GR" sz="1100" dirty="0">
@@ -4448,56 +4498,7 @@
                 <a:latin typeface="Arial" panose="020B0604020202020204" pitchFamily="34" charset="0"/>
                 <a:cs typeface="Arial" panose="020B0604020202020204" pitchFamily="34" charset="0"/>
               </a:rPr>
-              <a:t> </a:t>
-            </a:r>
-            <a:r>
-              <a:rPr lang="en-GB" sz="1100" dirty="0">
-                <a:latin typeface="Arial" panose="020B0604020202020204" pitchFamily="34" charset="0"/>
-                <a:cs typeface="Arial" panose="020B0604020202020204" pitchFamily="34" charset="0"/>
-              </a:rPr>
-              <a:t>linked to the </a:t>
-            </a:r>
-            <a:r>
-              <a:rPr lang="en-GB" sz="1100" dirty="0">
-                <a:latin typeface="Arial" panose="020B0604020202020204" pitchFamily="34" charset="0"/>
-                <a:cs typeface="Arial" panose="020B0604020202020204" pitchFamily="34" charset="0"/>
-              </a:rPr>
-              <a:t>quality of an </a:t>
-            </a:r>
-            <a:r>
-              <a:rPr lang="en-GB" sz="1100" dirty="0">
-                <a:latin typeface="Arial" panose="020B0604020202020204" pitchFamily="34" charset="0"/>
-                <a:cs typeface="Arial" panose="020B0604020202020204" pitchFamily="34" charset="0"/>
-              </a:rPr>
-              <a:t>interaction, e.g. </a:t>
-            </a:r>
-            <a:r>
-              <a:rPr lang="en-GB" sz="1100" dirty="0">
-                <a:latin typeface="Arial" panose="020B0604020202020204" pitchFamily="34" charset="0"/>
-                <a:cs typeface="Arial" panose="020B0604020202020204" pitchFamily="34" charset="0"/>
-              </a:rPr>
-              <a:t>resource </a:t>
-            </a:r>
-            <a:r>
-              <a:rPr lang="en-GB" sz="1100" dirty="0">
-                <a:latin typeface="Arial" panose="020B0604020202020204" pitchFamily="34" charset="0"/>
-                <a:cs typeface="Arial" panose="020B0604020202020204" pitchFamily="34" charset="0"/>
-              </a:rPr>
-              <a:t>specialisation, cultural traits/tags </a:t>
-            </a:r>
-            <a:r>
-              <a:rPr lang="en-GB" sz="1100" dirty="0">
-                <a:latin typeface="Arial" panose="020B0604020202020204" pitchFamily="34" charset="0"/>
-                <a:cs typeface="Arial" panose="020B0604020202020204" pitchFamily="34" charset="0"/>
-              </a:rPr>
-              <a:t>etc</a:t>
-            </a:r>
-            <a:r>
-              <a:rPr lang="en-GB" sz="1100" dirty="0">
-                <a:latin typeface="Arial" panose="020B0604020202020204" pitchFamily="34" charset="0"/>
-                <a:cs typeface="Arial" panose="020B0604020202020204" pitchFamily="34" charset="0"/>
-              </a:rPr>
-              <a:t>.,</a:t>
+              <a:t> linked to the quality of an interaction, e.g. resource acquisition traits, cultural tags, fecundity etc.,</a:t>
             </a:r>
           </a:p>
           <a:p>
@@ -4506,28 +4507,14 @@
                 <a:latin typeface="Arial" panose="020B0604020202020204" pitchFamily="34" charset="0"/>
                 <a:cs typeface="Arial" panose="020B0604020202020204" pitchFamily="34" charset="0"/>
               </a:rPr>
-              <a:t>i.e</a:t>
-            </a:r>
-            <a:r>
-              <a:rPr lang="en-AU" sz="1100" dirty="0">
-                <a:latin typeface="Arial" panose="020B0604020202020204" pitchFamily="34" charset="0"/>
-                <a:cs typeface="Arial" panose="020B0604020202020204" pitchFamily="34" charset="0"/>
-              </a:rPr>
-              <a:t>. </a:t>
+              <a:t>i.e. </a:t>
             </a:r>
             <a:r>
               <a:rPr lang="en-AU" sz="1100" b="1" i="1" dirty="0">
                 <a:latin typeface="Arial" panose="020B0604020202020204" pitchFamily="34" charset="0"/>
                 <a:cs typeface="Arial" panose="020B0604020202020204" pitchFamily="34" charset="0"/>
               </a:rPr>
-              <a:t>outcome ∝ </a:t>
-            </a:r>
-            <a:r>
-              <a:rPr lang="en-AU" sz="1100" b="1" i="1" dirty="0">
-                <a:latin typeface="Arial" panose="020B0604020202020204" pitchFamily="34" charset="0"/>
-                <a:cs typeface="Arial" panose="020B0604020202020204" pitchFamily="34" charset="0"/>
-              </a:rPr>
-              <a:t>V</a:t>
+              <a:t>outcome ∝ V</a:t>
             </a:r>
             <a:r>
               <a:rPr lang="el-GR" sz="1100" b="1" i="1" baseline="-25000" dirty="0">
@@ -4536,10 +4523,6 @@
               </a:rPr>
               <a:t>β</a:t>
             </a:r>
-            <a:endParaRPr lang="el-GR" sz="1100" b="1" i="1" baseline="-25000" dirty="0">
-              <a:latin typeface="Arial" panose="020B0604020202020204" pitchFamily="34" charset="0"/>
-              <a:cs typeface="Arial" panose="020B0604020202020204" pitchFamily="34" charset="0"/>
-            </a:endParaRPr>
           </a:p>
         </p:txBody>
       </p:sp>
@@ -4887,9 +4870,9 @@
             </a:pathLst>
           </a:custGeom>
           <a:solidFill>
-            <a:schemeClr val="bg1">
-              <a:lumMod val="95000"/>
-            </a:schemeClr>
+            <a:srgbClr val="0066FF">
+              <a:alpha val="20000"/>
+            </a:srgbClr>
           </a:solidFill>
           <a:ln w="19050">
             <a:solidFill>
@@ -5240,8 +5223,8 @@
             </a:pathLst>
           </a:custGeom>
           <a:solidFill>
-            <a:srgbClr val="F2F2F2">
-              <a:alpha val="50196"/>
+            <a:srgbClr val="0066FF">
+              <a:alpha val="20000"/>
             </a:srgbClr>
           </a:solidFill>
           <a:ln w="19050">
@@ -5379,7 +5362,7 @@
         <p:spPr>
           <a:xfrm>
             <a:off x="3639450" y="2586975"/>
-            <a:ext cx="1414052" cy="253916"/>
+            <a:ext cx="1414052" cy="261610"/>
           </a:xfrm>
           <a:prstGeom prst="rect">
             <a:avLst/>
@@ -5393,16 +5376,12 @@
           <a:lstStyle/>
           <a:p>
             <a:r>
-              <a:rPr lang="en-GB" sz="1050" i="1" dirty="0">
+              <a:rPr lang="en-GB" sz="1100" i="1" dirty="0">
                 <a:latin typeface="Arial" panose="020B0604020202020204" pitchFamily="34" charset="0"/>
                 <a:cs typeface="Arial" panose="020B0604020202020204" pitchFamily="34" charset="0"/>
               </a:rPr>
               <a:t>Δ quality</a:t>
             </a:r>
-            <a:endParaRPr lang="en-GB" sz="1050" i="1" dirty="0">
-              <a:latin typeface="Arial" panose="020B0604020202020204" pitchFamily="34" charset="0"/>
-              <a:cs typeface="Arial" panose="020B0604020202020204" pitchFamily="34" charset="0"/>
-            </a:endParaRPr>
           </a:p>
         </p:txBody>
       </p:sp>
@@ -5421,7 +5400,7 @@
         <p:spPr>
           <a:xfrm>
             <a:off x="4150374" y="7044597"/>
-            <a:ext cx="1414052" cy="253916"/>
+            <a:ext cx="1414052" cy="261610"/>
           </a:xfrm>
           <a:prstGeom prst="rect">
             <a:avLst/>
@@ -5435,16 +5414,12 @@
           <a:lstStyle/>
           <a:p>
             <a:r>
-              <a:rPr lang="en-GB" sz="1050" i="1" dirty="0">
+              <a:rPr lang="en-GB" sz="1100" i="1" dirty="0">
                 <a:latin typeface="Arial" panose="020B0604020202020204" pitchFamily="34" charset="0"/>
                 <a:cs typeface="Arial" panose="020B0604020202020204" pitchFamily="34" charset="0"/>
               </a:rPr>
               <a:t>Δ quality</a:t>
             </a:r>
-            <a:endParaRPr lang="en-GB" sz="1050" i="1" dirty="0">
-              <a:latin typeface="Arial" panose="020B0604020202020204" pitchFamily="34" charset="0"/>
-              <a:cs typeface="Arial" panose="020B0604020202020204" pitchFamily="34" charset="0"/>
-            </a:endParaRPr>
           </a:p>
         </p:txBody>
       </p:sp>
@@ -5463,7 +5438,7 @@
         <p:spPr>
           <a:xfrm>
             <a:off x="1499814" y="8705949"/>
-            <a:ext cx="5027110" cy="1776384"/>
+            <a:ext cx="5027110" cy="1758879"/>
           </a:xfrm>
           <a:prstGeom prst="rect">
             <a:avLst/>
@@ -5492,117 +5467,78 @@
                 <a:latin typeface="Arial" panose="020B0604020202020204" pitchFamily="34" charset="0"/>
                 <a:cs typeface="Arial" panose="020B0604020202020204" pitchFamily="34" charset="0"/>
               </a:rPr>
-              <a:t>L</a:t>
-            </a:r>
-            <a:r>
-              <a:rPr lang="en-GB" sz="1200" dirty="0" smtClean="0">
+              <a:t>Linking trait variance and composition with shifts along a general continuum. Changes in trait variance may; </a:t>
+            </a:r>
+            <a:r>
+              <a:rPr lang="en-GB" sz="1200" b="1" dirty="0">
                 <a:latin typeface="Arial" panose="020B0604020202020204" pitchFamily="34" charset="0"/>
                 <a:cs typeface="Arial" panose="020B0604020202020204" pitchFamily="34" charset="0"/>
               </a:rPr>
-              <a:t>inking changes in trait variance or composition with outcome shifts along a general continuum. </a:t>
+              <a:t>(</a:t>
+            </a:r>
+            <a:r>
+              <a:rPr lang="en-GB" sz="1200" b="1" dirty="0" err="1">
+                <a:latin typeface="Arial" panose="020B0604020202020204" pitchFamily="34" charset="0"/>
+                <a:cs typeface="Arial" panose="020B0604020202020204" pitchFamily="34" charset="0"/>
+              </a:rPr>
+              <a:t>i</a:t>
+            </a:r>
+            <a:r>
+              <a:rPr lang="en-GB" sz="1200" b="1" dirty="0">
+                <a:latin typeface="Arial" panose="020B0604020202020204" pitchFamily="34" charset="0"/>
+                <a:cs typeface="Arial" panose="020B0604020202020204" pitchFamily="34" charset="0"/>
+              </a:rPr>
+              <a:t>) </a:t>
             </a:r>
             <a:r>
               <a:rPr lang="en-GB" sz="1200" dirty="0">
                 <a:latin typeface="Arial" panose="020B0604020202020204" pitchFamily="34" charset="0"/>
                 <a:cs typeface="Arial" panose="020B0604020202020204" pitchFamily="34" charset="0"/>
               </a:rPr>
-              <a:t>C</a:t>
-            </a:r>
-            <a:r>
-              <a:rPr lang="en-GB" sz="1200" dirty="0" smtClean="0">
-                <a:latin typeface="Arial" panose="020B0604020202020204" pitchFamily="34" charset="0"/>
-                <a:cs typeface="Arial" panose="020B0604020202020204" pitchFamily="34" charset="0"/>
-              </a:rPr>
-              <a:t>hanges in trait variance may; </a:t>
-            </a:r>
-            <a:r>
-              <a:rPr lang="en-GB" sz="1200" b="1" dirty="0" smtClean="0">
-                <a:latin typeface="Arial" panose="020B0604020202020204" pitchFamily="34" charset="0"/>
-                <a:cs typeface="Arial" panose="020B0604020202020204" pitchFamily="34" charset="0"/>
-              </a:rPr>
-              <a:t>(</a:t>
-            </a:r>
-            <a:r>
-              <a:rPr lang="en-GB" sz="1200" b="1" dirty="0" err="1" smtClean="0">
-                <a:latin typeface="Arial" panose="020B0604020202020204" pitchFamily="34" charset="0"/>
-                <a:cs typeface="Arial" panose="020B0604020202020204" pitchFamily="34" charset="0"/>
-              </a:rPr>
-              <a:t>i</a:t>
-            </a:r>
-            <a:r>
-              <a:rPr lang="en-GB" sz="1200" b="1" dirty="0" smtClean="0">
-                <a:latin typeface="Arial" panose="020B0604020202020204" pitchFamily="34" charset="0"/>
-                <a:cs typeface="Arial" panose="020B0604020202020204" pitchFamily="34" charset="0"/>
-              </a:rPr>
-              <a:t>) </a:t>
-            </a:r>
-            <a:r>
-              <a:rPr lang="en-GB" sz="1200" dirty="0" smtClean="0">
-                <a:latin typeface="Arial" panose="020B0604020202020204" pitchFamily="34" charset="0"/>
-                <a:cs typeface="Arial" panose="020B0604020202020204" pitchFamily="34" charset="0"/>
-              </a:rPr>
               <a:t>directly produce outcome variation, e.g. by influencing the identify of interaction partners and altering their fitness payoffs; or, </a:t>
             </a:r>
             <a:r>
-              <a:rPr lang="en-GB" sz="1200" b="1" dirty="0" smtClean="0">
+              <a:rPr lang="en-GB" sz="1200" b="1" dirty="0">
                 <a:latin typeface="Arial" panose="020B0604020202020204" pitchFamily="34" charset="0"/>
                 <a:cs typeface="Arial" panose="020B0604020202020204" pitchFamily="34" charset="0"/>
               </a:rPr>
               <a:t>(ii) </a:t>
             </a:r>
             <a:r>
-              <a:rPr lang="en-GB" sz="1200" dirty="0" smtClean="0">
-                <a:latin typeface="Arial" panose="020B0604020202020204" pitchFamily="34" charset="0"/>
-                <a:cs typeface="Arial" panose="020B0604020202020204" pitchFamily="34" charset="0"/>
-              </a:rPr>
-              <a:t>produce changes in the composition of cooperation-antagonism linked traits in a population, e.g. by inducing behavioural plasticity (i.e. </a:t>
-            </a:r>
-            <a:r>
-              <a:rPr lang="en-GB" sz="1200" i="1" dirty="0" smtClean="0">
-                <a:latin typeface="Arial" panose="020B0604020202020204" pitchFamily="34" charset="0"/>
-                <a:cs typeface="Arial" panose="020B0604020202020204" pitchFamily="34" charset="0"/>
-              </a:rPr>
-              <a:t>systemic variance effects</a:t>
-            </a:r>
-            <a:r>
-              <a:rPr lang="en-GB" sz="1200" dirty="0" smtClean="0">
-                <a:latin typeface="Arial" panose="020B0604020202020204" pitchFamily="34" charset="0"/>
-                <a:cs typeface="Arial" panose="020B0604020202020204" pitchFamily="34" charset="0"/>
-              </a:rPr>
-              <a:t>). Changes in the composition of </a:t>
-            </a:r>
-            <a:r>
               <a:rPr lang="en-GB" sz="1200" dirty="0">
                 <a:latin typeface="Arial" panose="020B0604020202020204" pitchFamily="34" charset="0"/>
                 <a:cs typeface="Arial" panose="020B0604020202020204" pitchFamily="34" charset="0"/>
               </a:rPr>
-              <a:t>cooperation-antagonism linked traits</a:t>
-            </a:r>
-            <a:r>
-              <a:rPr lang="en-GB" sz="1200" dirty="0" smtClean="0">
+              <a:t>induce changes in the composition of cooperation-antagonism linked traits, e.g. by inducing behavioural plasticity (i.e. </a:t>
+            </a:r>
+            <a:r>
+              <a:rPr lang="en-GB" sz="1200" i="1" dirty="0">
                 <a:latin typeface="Arial" panose="020B0604020202020204" pitchFamily="34" charset="0"/>
                 <a:cs typeface="Arial" panose="020B0604020202020204" pitchFamily="34" charset="0"/>
               </a:rPr>
-              <a:t> then directly lead to outcome variation (i.e. </a:t>
-            </a:r>
-            <a:r>
-              <a:rPr lang="en-GB" sz="1200" i="1" dirty="0" smtClean="0">
+              <a:t>systemic variance effects, </a:t>
+            </a:r>
+            <a:r>
+              <a:rPr lang="en-GB" sz="1200" dirty="0">
                 <a:latin typeface="Arial" panose="020B0604020202020204" pitchFamily="34" charset="0"/>
                 <a:cs typeface="Arial" panose="020B0604020202020204" pitchFamily="34" charset="0"/>
               </a:rPr>
-              <a:t>trait frequency effects</a:t>
-            </a:r>
-            <a:r>
-              <a:rPr lang="en-GB" sz="1200" dirty="0" smtClean="0">
+              <a:t>marked in blue). Changes in the composition of cooperation-antagonism linked traits then directly lead to outcome variation (i.e. </a:t>
+            </a:r>
+            <a:r>
+              <a:rPr lang="en-GB" sz="1200" i="1" dirty="0">
                 <a:latin typeface="Arial" panose="020B0604020202020204" pitchFamily="34" charset="0"/>
                 <a:cs typeface="Arial" panose="020B0604020202020204" pitchFamily="34" charset="0"/>
               </a:rPr>
-              <a:t>)</a:t>
-            </a:r>
-            <a:endParaRPr lang="en-GB" sz="1200" dirty="0">
-              <a:latin typeface="Arial" panose="020B0604020202020204" pitchFamily="34" charset="0"/>
-              <a:cs typeface="Arial" panose="020B0604020202020204" pitchFamily="34" charset="0"/>
-            </a:endParaRPr>
+              <a:t>trait frequency effects, </a:t>
+            </a:r>
+            <a:r>
+              <a:rPr lang="en-GB" sz="1200" dirty="0">
+                <a:latin typeface="Arial" panose="020B0604020202020204" pitchFamily="34" charset="0"/>
+                <a:cs typeface="Arial" panose="020B0604020202020204" pitchFamily="34" charset="0"/>
+              </a:rPr>
+              <a:t>marked in green).</a:t>
+            </a:r>
           </a:p>
         </p:txBody>
       </p:sp>
@@ -5634,7 +5570,7 @@
           <a:lstStyle/>
           <a:p>
             <a:r>
-              <a:rPr lang="en-US" sz="1100" i="1" dirty="0" smtClean="0">
+              <a:rPr lang="en-US" sz="1100" i="1" dirty="0">
                 <a:latin typeface="Arial" panose="020B0604020202020204" pitchFamily="34" charset="0"/>
                 <a:cs typeface="Arial" panose="020B0604020202020204" pitchFamily="34" charset="0"/>
               </a:rPr>
@@ -5643,18 +5579,11 @@
           </a:p>
           <a:p>
             <a:r>
-              <a:rPr lang="en-US" sz="1100" i="1" dirty="0" smtClean="0">
-                <a:latin typeface="Arial" panose="020B0604020202020204" pitchFamily="34" charset="0"/>
-                <a:cs typeface="Arial" panose="020B0604020202020204" pitchFamily="34" charset="0"/>
-              </a:rPr>
-              <a:t>care      </a:t>
-            </a:r>
-            <a:r>
               <a:rPr lang="en-US" sz="1100" i="1" dirty="0">
                 <a:latin typeface="Arial" panose="020B0604020202020204" pitchFamily="34" charset="0"/>
                 <a:cs typeface="Arial" panose="020B0604020202020204" pitchFamily="34" charset="0"/>
               </a:rPr>
-              <a:t>	</a:t>
+              <a:t>care      	</a:t>
             </a:r>
           </a:p>
         </p:txBody>
@@ -5813,8 +5742,8 @@
         </p:nvSpPr>
         <p:spPr>
           <a:xfrm>
-            <a:off x="3459911" y="12914431"/>
-            <a:ext cx="895637" cy="246221"/>
+            <a:off x="3444413" y="12914431"/>
+            <a:ext cx="895637" cy="261610"/>
           </a:xfrm>
           <a:prstGeom prst="rect">
             <a:avLst/>
@@ -5828,16 +5757,12 @@
           <a:lstStyle/>
           <a:p>
             <a:r>
-              <a:rPr lang="en-GB" sz="1000" i="1" dirty="0">
+              <a:rPr lang="en-GB" sz="1100" i="1" dirty="0">
                 <a:latin typeface="Arial" panose="020B0604020202020204" pitchFamily="34" charset="0"/>
                 <a:cs typeface="Arial" panose="020B0604020202020204" pitchFamily="34" charset="0"/>
               </a:rPr>
               <a:t>Δ quality</a:t>
             </a:r>
-            <a:endParaRPr lang="en-GB" sz="1000" i="1" dirty="0">
-              <a:latin typeface="Arial" panose="020B0604020202020204" pitchFamily="34" charset="0"/>
-              <a:cs typeface="Arial" panose="020B0604020202020204" pitchFamily="34" charset="0"/>
-            </a:endParaRPr>
           </a:p>
         </p:txBody>
       </p:sp>
@@ -6026,9 +5951,9 @@
             <a:avLst/>
           </a:prstGeom>
           <a:solidFill>
-            <a:schemeClr val="bg1">
-              <a:lumMod val="95000"/>
-            </a:schemeClr>
+            <a:srgbClr val="99CC00">
+              <a:alpha val="20000"/>
+            </a:srgbClr>
           </a:solidFill>
           <a:ln w="19050">
             <a:solidFill>
@@ -6059,16 +5984,6 @@
           <a:lstStyle/>
           <a:p>
             <a:r>
-              <a:rPr lang="en-US" sz="1100" dirty="0" smtClean="0">
-                <a:solidFill>
-                  <a:schemeClr val="tx1"/>
-                </a:solidFill>
-                <a:latin typeface="Arial" panose="020B0604020202020204" pitchFamily="34" charset="0"/>
-                <a:cs typeface="Arial" panose="020B0604020202020204" pitchFamily="34" charset="0"/>
-              </a:rPr>
-              <a:t>Changes in the composition or mean value of </a:t>
-            </a:r>
-            <a:r>
               <a:rPr lang="en-US" sz="1100" dirty="0">
                 <a:solidFill>
                   <a:schemeClr val="tx1"/>
@@ -6076,20 +5991,10 @@
                 <a:latin typeface="Arial" panose="020B0604020202020204" pitchFamily="34" charset="0"/>
                 <a:cs typeface="Arial" panose="020B0604020202020204" pitchFamily="34" charset="0"/>
               </a:rPr>
-              <a:t>traits linked </a:t>
-            </a:r>
-            <a:r>
-              <a:rPr lang="en-US" sz="1100" dirty="0" smtClean="0">
-                <a:solidFill>
-                  <a:schemeClr val="tx1"/>
-                </a:solidFill>
-                <a:latin typeface="Arial" panose="020B0604020202020204" pitchFamily="34" charset="0"/>
-                <a:cs typeface="Arial" panose="020B0604020202020204" pitchFamily="34" charset="0"/>
-              </a:rPr>
-              <a:t>to cooperation-antagonism, </a:t>
-            </a:r>
-            <a:r>
-              <a:rPr lang="el-GR" sz="1100" b="1" dirty="0" smtClean="0">
+              <a:t>Change in the composition or mean value of traits linked to cooperation-antagonism, </a:t>
+            </a:r>
+            <a:r>
+              <a:rPr lang="el-GR" sz="1100" b="1" dirty="0">
                 <a:solidFill>
                   <a:schemeClr val="tx1"/>
                 </a:solidFill>
@@ -6129,9 +6034,9 @@
             <a:avLst/>
           </a:prstGeom>
           <a:solidFill>
-            <a:schemeClr val="bg1">
-              <a:lumMod val="95000"/>
-            </a:schemeClr>
+            <a:srgbClr val="0066FF">
+              <a:alpha val="20000"/>
+            </a:srgbClr>
           </a:solidFill>
           <a:ln w="19050">
             <a:solidFill>
@@ -6162,7 +6067,7 @@
           <a:lstStyle/>
           <a:p>
             <a:r>
-              <a:rPr lang="en-US" sz="1050" smtClean="0">
+              <a:rPr lang="en-US" sz="1050" dirty="0">
                 <a:solidFill>
                   <a:schemeClr val="tx1"/>
                 </a:solidFill>
@@ -6172,7 +6077,7 @@
               <a:t>Change in variance in a trait within a population, </a:t>
             </a:r>
             <a:r>
-              <a:rPr lang="en-US" sz="1050" b="1" smtClean="0">
+              <a:rPr lang="en-US" sz="1050" b="1" dirty="0">
                 <a:solidFill>
                   <a:schemeClr val="tx1"/>
                 </a:solidFill>
@@ -6182,7 +6087,7 @@
               <a:t>ΔV</a:t>
             </a:r>
             <a:r>
-              <a:rPr lang="el-GR" sz="1050" b="1" baseline="-25000" smtClean="0">
+              <a:rPr lang="el-GR" sz="1050" b="1" baseline="-25000" dirty="0">
                 <a:solidFill>
                   <a:schemeClr val="tx1"/>
                 </a:solidFill>
@@ -6201,33 +6106,33 @@
           </a:p>
         </p:txBody>
       </p:sp>
-      <p:cxnSp>
-        <p:nvCxnSpPr>
-          <p:cNvPr id="36" name="Straight Arrow Connector 35">
+      <p:sp>
+        <p:nvSpPr>
+          <p:cNvPr id="72" name="TextBox 71">
             <a:extLst>
               <a:ext uri="{FF2B5EF4-FFF2-40B4-BE49-F238E27FC236}">
-                <a16:creationId xmlns:a16="http://schemas.microsoft.com/office/drawing/2014/main" id="{30E96DDF-AE07-4B33-90AF-AC2DA8C74288}"/>
+                <a16:creationId xmlns:a16="http://schemas.microsoft.com/office/drawing/2014/main" id="{0BFE4571-638D-4160-A8C5-6AA94BA54D67}"/>
               </a:ext>
             </a:extLst>
           </p:cNvPr>
-          <p:cNvCxnSpPr>
-            <a:cxnSpLocks/>
-          </p:cNvCxnSpPr>
+          <p:cNvSpPr txBox="1"/>
           <p:nvPr/>
-        </p:nvCxnSpPr>
+        </p:nvSpPr>
         <p:spPr>
           <a:xfrm>
-            <a:off x="4177565" y="12400429"/>
-            <a:ext cx="0" cy="356681"/>
-          </a:xfrm>
-          <a:prstGeom prst="straightConnector1">
+            <a:off x="1580396" y="10598412"/>
+            <a:ext cx="1155439" cy="415498"/>
+          </a:xfrm>
+          <a:prstGeom prst="rect">
             <a:avLst/>
           </a:prstGeom>
+          <a:solidFill>
+            <a:schemeClr val="bg1"/>
+          </a:solidFill>
           <a:ln w="19050">
             <a:solidFill>
               <a:schemeClr val="tx1"/>
             </a:solidFill>
-            <a:tailEnd type="triangle"/>
           </a:ln>
         </p:spPr>
         <p:style>
@@ -6246,34 +6151,66 @@
             <a:schemeClr val="lt1"/>
           </a:fontRef>
         </p:style>
-      </p:cxnSp>
-      <p:cxnSp>
-        <p:nvCxnSpPr>
-          <p:cNvPr id="41" name="Straight Arrow Connector 40">
+        <p:txBody>
+          <a:bodyPr wrap="square" rtlCol="0">
+            <a:spAutoFit/>
+          </a:bodyPr>
+          <a:lstStyle/>
+          <a:p>
+            <a:pPr algn="ctr"/>
+            <a:r>
+              <a:rPr lang="en-US" sz="1050" dirty="0">
+                <a:solidFill>
+                  <a:schemeClr val="tx1"/>
+                </a:solidFill>
+                <a:latin typeface="Arial" panose="020B0604020202020204" pitchFamily="34" charset="0"/>
+                <a:cs typeface="Arial" panose="020B0604020202020204" pitchFamily="34" charset="0"/>
+              </a:rPr>
+              <a:t>Mutation/</a:t>
+            </a:r>
+          </a:p>
+          <a:p>
+            <a:pPr algn="ctr"/>
+            <a:r>
+              <a:rPr lang="en-US" sz="1050" dirty="0">
+                <a:solidFill>
+                  <a:schemeClr val="tx1"/>
+                </a:solidFill>
+                <a:latin typeface="Arial" panose="020B0604020202020204" pitchFamily="34" charset="0"/>
+                <a:cs typeface="Arial" panose="020B0604020202020204" pitchFamily="34" charset="0"/>
+              </a:rPr>
+              <a:t>migration rate</a:t>
+            </a:r>
+          </a:p>
+        </p:txBody>
+      </p:sp>
+      <p:sp>
+        <p:nvSpPr>
+          <p:cNvPr id="73" name="TextBox 72">
             <a:extLst>
               <a:ext uri="{FF2B5EF4-FFF2-40B4-BE49-F238E27FC236}">
-                <a16:creationId xmlns:a16="http://schemas.microsoft.com/office/drawing/2014/main" id="{C3BD2DD8-9FDB-4844-BFC5-A4A34D61DBB6}"/>
+                <a16:creationId xmlns:a16="http://schemas.microsoft.com/office/drawing/2014/main" id="{0BFE4571-638D-4160-A8C5-6AA94BA54D67}"/>
               </a:ext>
             </a:extLst>
           </p:cNvPr>
-          <p:cNvCxnSpPr>
-            <a:cxnSpLocks/>
-          </p:cNvCxnSpPr>
+          <p:cNvSpPr txBox="1"/>
           <p:nvPr/>
-        </p:nvCxnSpPr>
+        </p:nvSpPr>
         <p:spPr>
           <a:xfrm>
-            <a:off x="1762120" y="11996472"/>
-            <a:ext cx="0" cy="760638"/>
-          </a:xfrm>
-          <a:prstGeom prst="straightConnector1">
+            <a:off x="2933836" y="10588331"/>
+            <a:ext cx="2120866" cy="415498"/>
+          </a:xfrm>
+          <a:prstGeom prst="rect">
             <a:avLst/>
           </a:prstGeom>
+          <a:solidFill>
+            <a:schemeClr val="bg1"/>
+          </a:solidFill>
           <a:ln w="19050">
             <a:solidFill>
               <a:schemeClr val="tx1"/>
             </a:solidFill>
-            <a:tailEnd type="triangle"/>
           </a:ln>
         </p:spPr>
         <p:style>
@@ -6292,10 +6229,29 @@
             <a:schemeClr val="lt1"/>
           </a:fontRef>
         </p:style>
-      </p:cxnSp>
-      <p:sp>
-        <p:nvSpPr>
-          <p:cNvPr id="72" name="TextBox 71">
+        <p:txBody>
+          <a:bodyPr wrap="square" rtlCol="0">
+            <a:spAutoFit/>
+          </a:bodyPr>
+          <a:lstStyle/>
+          <a:p>
+            <a:pPr algn="ctr"/>
+            <a:r>
+              <a:rPr lang="en-US" sz="1050" dirty="0">
+                <a:solidFill>
+                  <a:schemeClr val="tx1"/>
+                </a:solidFill>
+                <a:latin typeface="Arial" panose="020B0604020202020204" pitchFamily="34" charset="0"/>
+                <a:cs typeface="Arial" panose="020B0604020202020204" pitchFamily="34" charset="0"/>
+              </a:rPr>
+              <a:t>Plasticity in response to the abiotic/biotic environment</a:t>
+            </a:r>
+          </a:p>
+        </p:txBody>
+      </p:sp>
+      <p:sp>
+        <p:nvSpPr>
+          <p:cNvPr id="74" name="TextBox 73">
             <a:extLst>
               <a:ext uri="{FF2B5EF4-FFF2-40B4-BE49-F238E27FC236}">
                 <a16:creationId xmlns:a16="http://schemas.microsoft.com/office/drawing/2014/main" id="{0BFE4571-638D-4160-A8C5-6AA94BA54D67}"/>
@@ -6307,8 +6263,8 @@
         </p:nvSpPr>
         <p:spPr>
           <a:xfrm>
-            <a:off x="1580396" y="10598412"/>
-            <a:ext cx="1155439" cy="415498"/>
+            <a:off x="5257436" y="10587560"/>
+            <a:ext cx="1010333" cy="415498"/>
           </a:xfrm>
           <a:prstGeom prst="rect">
             <a:avLst/>
@@ -6346,164 +6302,7 @@
           <a:p>
             <a:pPr algn="ctr"/>
             <a:r>
-              <a:rPr lang="en-US" sz="1050" dirty="0" smtClean="0">
-                <a:solidFill>
-                  <a:schemeClr val="tx1"/>
-                </a:solidFill>
-                <a:latin typeface="Arial" panose="020B0604020202020204" pitchFamily="34" charset="0"/>
-                <a:cs typeface="Arial" panose="020B0604020202020204" pitchFamily="34" charset="0"/>
-              </a:rPr>
-              <a:t>Mutation/</a:t>
-            </a:r>
-          </a:p>
-          <a:p>
-            <a:pPr algn="ctr"/>
-            <a:r>
-              <a:rPr lang="en-US" sz="1050" dirty="0" smtClean="0">
-                <a:solidFill>
-                  <a:schemeClr val="tx1"/>
-                </a:solidFill>
-                <a:latin typeface="Arial" panose="020B0604020202020204" pitchFamily="34" charset="0"/>
-                <a:cs typeface="Arial" panose="020B0604020202020204" pitchFamily="34" charset="0"/>
-              </a:rPr>
-              <a:t>migration rate</a:t>
-            </a:r>
-            <a:endParaRPr lang="en-US" sz="1050" dirty="0">
-              <a:solidFill>
-                <a:schemeClr val="tx1"/>
-              </a:solidFill>
-              <a:latin typeface="Arial" panose="020B0604020202020204" pitchFamily="34" charset="0"/>
-              <a:cs typeface="Arial" panose="020B0604020202020204" pitchFamily="34" charset="0"/>
-            </a:endParaRPr>
-          </a:p>
-        </p:txBody>
-      </p:sp>
-      <p:sp>
-        <p:nvSpPr>
-          <p:cNvPr id="73" name="TextBox 72">
-            <a:extLst>
-              <a:ext uri="{FF2B5EF4-FFF2-40B4-BE49-F238E27FC236}">
-                <a16:creationId xmlns:a16="http://schemas.microsoft.com/office/drawing/2014/main" id="{0BFE4571-638D-4160-A8C5-6AA94BA54D67}"/>
-              </a:ext>
-            </a:extLst>
-          </p:cNvPr>
-          <p:cNvSpPr txBox="1"/>
-          <p:nvPr/>
-        </p:nvSpPr>
-        <p:spPr>
-          <a:xfrm>
-            <a:off x="2933836" y="10588331"/>
-            <a:ext cx="2120866" cy="415498"/>
-          </a:xfrm>
-          <a:prstGeom prst="rect">
-            <a:avLst/>
-          </a:prstGeom>
-          <a:solidFill>
-            <a:schemeClr val="bg1"/>
-          </a:solidFill>
-          <a:ln w="19050">
-            <a:solidFill>
-              <a:schemeClr val="tx1"/>
-            </a:solidFill>
-          </a:ln>
-        </p:spPr>
-        <p:style>
-          <a:lnRef idx="2">
-            <a:schemeClr val="accent3">
-              <a:shade val="50000"/>
-            </a:schemeClr>
-          </a:lnRef>
-          <a:fillRef idx="1">
-            <a:schemeClr val="accent3"/>
-          </a:fillRef>
-          <a:effectRef idx="0">
-            <a:schemeClr val="accent3"/>
-          </a:effectRef>
-          <a:fontRef idx="minor">
-            <a:schemeClr val="lt1"/>
-          </a:fontRef>
-        </p:style>
-        <p:txBody>
-          <a:bodyPr wrap="square" rtlCol="0">
-            <a:spAutoFit/>
-          </a:bodyPr>
-          <a:lstStyle/>
-          <a:p>
-            <a:pPr algn="ctr"/>
-            <a:r>
-              <a:rPr lang="en-US" sz="1050" dirty="0" smtClean="0">
-                <a:solidFill>
-                  <a:schemeClr val="tx1"/>
-                </a:solidFill>
-                <a:latin typeface="Arial" panose="020B0604020202020204" pitchFamily="34" charset="0"/>
-                <a:cs typeface="Arial" panose="020B0604020202020204" pitchFamily="34" charset="0"/>
-              </a:rPr>
-              <a:t>Plasticity in response to the abiotic/biotic environment</a:t>
-            </a:r>
-            <a:endParaRPr lang="en-US" sz="1050" dirty="0">
-              <a:solidFill>
-                <a:schemeClr val="tx1"/>
-              </a:solidFill>
-              <a:latin typeface="Arial" panose="020B0604020202020204" pitchFamily="34" charset="0"/>
-              <a:cs typeface="Arial" panose="020B0604020202020204" pitchFamily="34" charset="0"/>
-            </a:endParaRPr>
-          </a:p>
-        </p:txBody>
-      </p:sp>
-      <p:sp>
-        <p:nvSpPr>
-          <p:cNvPr id="74" name="TextBox 73">
-            <a:extLst>
-              <a:ext uri="{FF2B5EF4-FFF2-40B4-BE49-F238E27FC236}">
-                <a16:creationId xmlns:a16="http://schemas.microsoft.com/office/drawing/2014/main" id="{0BFE4571-638D-4160-A8C5-6AA94BA54D67}"/>
-              </a:ext>
-            </a:extLst>
-          </p:cNvPr>
-          <p:cNvSpPr txBox="1"/>
-          <p:nvPr/>
-        </p:nvSpPr>
-        <p:spPr>
-          <a:xfrm>
-            <a:off x="5257436" y="10587560"/>
-            <a:ext cx="1010333" cy="415498"/>
-          </a:xfrm>
-          <a:prstGeom prst="rect">
-            <a:avLst/>
-          </a:prstGeom>
-          <a:solidFill>
-            <a:schemeClr val="bg1"/>
-          </a:solidFill>
-          <a:ln w="19050">
-            <a:solidFill>
-              <a:schemeClr val="tx1"/>
-            </a:solidFill>
-          </a:ln>
-        </p:spPr>
-        <p:style>
-          <a:lnRef idx="2">
-            <a:schemeClr val="accent3">
-              <a:shade val="50000"/>
-            </a:schemeClr>
-          </a:lnRef>
-          <a:fillRef idx="1">
-            <a:schemeClr val="accent3"/>
-          </a:fillRef>
-          <a:effectRef idx="0">
-            <a:schemeClr val="accent3"/>
-          </a:effectRef>
-          <a:fontRef idx="minor">
-            <a:schemeClr val="lt1"/>
-          </a:fontRef>
-        </p:style>
-        <p:txBody>
-          <a:bodyPr wrap="square" rtlCol="0">
-            <a:spAutoFit/>
-          </a:bodyPr>
-          <a:lstStyle/>
-          <a:p>
-            <a:pPr algn="ctr"/>
-            <a:r>
-              <a:rPr lang="en-US" sz="1050" dirty="0" smtClean="0">
+              <a:rPr lang="en-US" sz="1050" dirty="0">
                 <a:solidFill>
                   <a:schemeClr val="tx1"/>
                 </a:solidFill>
@@ -6516,7 +6315,7 @@
           <a:p>
             <a:pPr algn="ctr"/>
             <a:r>
-              <a:rPr lang="en-US" sz="1050" dirty="0" smtClean="0">
+              <a:rPr lang="en-US" sz="1050" dirty="0">
                 <a:solidFill>
                   <a:schemeClr val="tx1"/>
                 </a:solidFill>
@@ -6525,13 +6324,6 @@
               </a:rPr>
               <a:t>selection</a:t>
             </a:r>
-            <a:endParaRPr lang="en-US" sz="1050" dirty="0">
-              <a:solidFill>
-                <a:schemeClr val="tx1"/>
-              </a:solidFill>
-              <a:latin typeface="Arial" panose="020B0604020202020204" pitchFamily="34" charset="0"/>
-              <a:cs typeface="Arial" panose="020B0604020202020204" pitchFamily="34" charset="0"/>
-            </a:endParaRPr>
           </a:p>
         </p:txBody>
       </p:sp>
@@ -6627,52 +6419,6 @@
           </a:fontRef>
         </p:style>
       </p:cxnSp>
-      <p:cxnSp>
-        <p:nvCxnSpPr>
-          <p:cNvPr id="108" name="Straight Arrow Connector 107">
-            <a:extLst>
-              <a:ext uri="{FF2B5EF4-FFF2-40B4-BE49-F238E27FC236}">
-                <a16:creationId xmlns:a16="http://schemas.microsoft.com/office/drawing/2014/main" id="{C3BD2DD8-9FDB-4844-BFC5-A4A34D61DBB6}"/>
-              </a:ext>
-            </a:extLst>
-          </p:cNvPr>
-          <p:cNvCxnSpPr>
-            <a:cxnSpLocks/>
-          </p:cNvCxnSpPr>
-          <p:nvPr/>
-        </p:nvCxnSpPr>
-        <p:spPr>
-          <a:xfrm>
-            <a:off x="3475905" y="11991815"/>
-            <a:ext cx="537464" cy="106344"/>
-          </a:xfrm>
-          <a:prstGeom prst="straightConnector1">
-            <a:avLst/>
-          </a:prstGeom>
-          <a:ln w="19050">
-            <a:solidFill>
-              <a:schemeClr val="tx1"/>
-            </a:solidFill>
-            <a:tailEnd type="triangle"/>
-          </a:ln>
-        </p:spPr>
-        <p:style>
-          <a:lnRef idx="2">
-            <a:schemeClr val="accent3">
-              <a:shade val="50000"/>
-            </a:schemeClr>
-          </a:lnRef>
-          <a:fillRef idx="1">
-            <a:schemeClr val="accent3"/>
-          </a:fillRef>
-          <a:effectRef idx="0">
-            <a:schemeClr val="accent3"/>
-          </a:effectRef>
-          <a:fontRef idx="minor">
-            <a:schemeClr val="lt1"/>
-          </a:fontRef>
-        </p:style>
-      </p:cxnSp>
       <p:sp>
         <p:nvSpPr>
           <p:cNvPr id="113" name="Rectangle 112">
@@ -6706,21 +6452,21 @@
               </a:lnSpc>
             </a:pPr>
             <a:r>
-              <a:rPr lang="en-GB" sz="1100" b="1" dirty="0" smtClean="0">
+              <a:rPr lang="en-GB" sz="1100" b="1" dirty="0">
                 <a:latin typeface="Arial" panose="020B0604020202020204" pitchFamily="34" charset="0"/>
                 <a:cs typeface="Arial" panose="020B0604020202020204" pitchFamily="34" charset="0"/>
               </a:rPr>
               <a:t>(</a:t>
             </a:r>
             <a:r>
-              <a:rPr lang="en-GB" sz="1100" b="1" dirty="0" err="1" smtClean="0">
+              <a:rPr lang="en-GB" sz="1100" b="1" dirty="0" err="1">
                 <a:latin typeface="Arial" panose="020B0604020202020204" pitchFamily="34" charset="0"/>
                 <a:cs typeface="Arial" panose="020B0604020202020204" pitchFamily="34" charset="0"/>
               </a:rPr>
               <a:t>i</a:t>
             </a:r>
             <a:r>
-              <a:rPr lang="en-GB" sz="1100" b="1" dirty="0" smtClean="0">
+              <a:rPr lang="en-GB" sz="1100" b="1" dirty="0">
                 <a:latin typeface="Arial" panose="020B0604020202020204" pitchFamily="34" charset="0"/>
                 <a:cs typeface="Arial" panose="020B0604020202020204" pitchFamily="34" charset="0"/>
               </a:rPr>
@@ -6747,7 +6493,7 @@
         </p:nvSpPr>
         <p:spPr>
           <a:xfrm>
-            <a:off x="3483221" y="12039618"/>
+            <a:off x="3465635" y="12014082"/>
             <a:ext cx="353676" cy="285335"/>
           </a:xfrm>
           <a:prstGeom prst="rect">
@@ -6766,7 +6512,7 @@
               </a:lnSpc>
             </a:pPr>
             <a:r>
-              <a:rPr lang="en-GB" sz="1100" b="1" dirty="0" smtClean="0">
+              <a:rPr lang="en-GB" sz="1100" b="1" dirty="0">
                 <a:latin typeface="Arial" panose="020B0604020202020204" pitchFamily="34" charset="0"/>
                 <a:cs typeface="Arial" panose="020B0604020202020204" pitchFamily="34" charset="0"/>
               </a:rPr>
@@ -6802,23 +6548,12 @@
           <a:p>
             <a:pPr algn="r"/>
             <a:r>
-              <a:rPr lang="en-US" sz="1100" i="1" dirty="0" smtClean="0">
-                <a:latin typeface="Arial" panose="020B0604020202020204" pitchFamily="34" charset="0"/>
-                <a:cs typeface="Arial" panose="020B0604020202020204" pitchFamily="34" charset="0"/>
-              </a:rPr>
-              <a:t>antagonism/parasitism</a:t>
-            </a:r>
-            <a:r>
               <a:rPr lang="en-US" sz="1100" i="1" dirty="0">
                 <a:latin typeface="Arial" panose="020B0604020202020204" pitchFamily="34" charset="0"/>
                 <a:cs typeface="Arial" panose="020B0604020202020204" pitchFamily="34" charset="0"/>
               </a:rPr>
-              <a:t>/</a:t>
-            </a:r>
-            <a:endParaRPr lang="en-US" sz="1100" i="1" dirty="0" smtClean="0">
-              <a:latin typeface="Arial" panose="020B0604020202020204" pitchFamily="34" charset="0"/>
-              <a:cs typeface="Arial" panose="020B0604020202020204" pitchFamily="34" charset="0"/>
-            </a:endParaRPr>
+              <a:t>antagonism/parasitism/</a:t>
+            </a:r>
           </a:p>
           <a:p>
             <a:pPr algn="r"/>
@@ -6827,14 +6562,7 @@
                 <a:latin typeface="Arial" panose="020B0604020202020204" pitchFamily="34" charset="0"/>
                 <a:cs typeface="Arial" panose="020B0604020202020204" pitchFamily="34" charset="0"/>
               </a:rPr>
-              <a:t>c</a:t>
-            </a:r>
-            <a:r>
-              <a:rPr lang="en-US" sz="1100" i="1" dirty="0" smtClean="0">
-                <a:latin typeface="Arial" panose="020B0604020202020204" pitchFamily="34" charset="0"/>
-                <a:cs typeface="Arial" panose="020B0604020202020204" pitchFamily="34" charset="0"/>
-              </a:rPr>
-              <a:t>ompetition/conflict</a:t>
+              <a:t>competition/conflict</a:t>
             </a:r>
             <a:endParaRPr lang="en-GB" sz="1100" dirty="0"/>
           </a:p>

--- a/Visualisations/Fig_Mechanisms_v.4.pptx
+++ b/Visualisations/Fig_Mechanisms_v.4.pptx
@@ -243,7 +243,7 @@
           <a:p>
             <a:fld id="{6A3639C0-D2A6-45AE-83AA-C499180C85F5}" type="datetimeFigureOut">
               <a:rPr lang="en-GB" smtClean="0"/>
-              <a:t>07/06/2021</a:t>
+              <a:t>10/06/2021</a:t>
             </a:fld>
             <a:endParaRPr lang="en-GB"/>
           </a:p>
@@ -413,7 +413,7 @@
           <a:p>
             <a:fld id="{6A3639C0-D2A6-45AE-83AA-C499180C85F5}" type="datetimeFigureOut">
               <a:rPr lang="en-GB" smtClean="0"/>
-              <a:t>07/06/2021</a:t>
+              <a:t>10/06/2021</a:t>
             </a:fld>
             <a:endParaRPr lang="en-GB"/>
           </a:p>
@@ -593,7 +593,7 @@
           <a:p>
             <a:fld id="{6A3639C0-D2A6-45AE-83AA-C499180C85F5}" type="datetimeFigureOut">
               <a:rPr lang="en-GB" smtClean="0"/>
-              <a:t>07/06/2021</a:t>
+              <a:t>10/06/2021</a:t>
             </a:fld>
             <a:endParaRPr lang="en-GB"/>
           </a:p>
@@ -763,7 +763,7 @@
           <a:p>
             <a:fld id="{6A3639C0-D2A6-45AE-83AA-C499180C85F5}" type="datetimeFigureOut">
               <a:rPr lang="en-GB" smtClean="0"/>
-              <a:t>07/06/2021</a:t>
+              <a:t>10/06/2021</a:t>
             </a:fld>
             <a:endParaRPr lang="en-GB"/>
           </a:p>
@@ -1007,7 +1007,7 @@
           <a:p>
             <a:fld id="{6A3639C0-D2A6-45AE-83AA-C499180C85F5}" type="datetimeFigureOut">
               <a:rPr lang="en-GB" smtClean="0"/>
-              <a:t>07/06/2021</a:t>
+              <a:t>10/06/2021</a:t>
             </a:fld>
             <a:endParaRPr lang="en-GB"/>
           </a:p>
@@ -1239,7 +1239,7 @@
           <a:p>
             <a:fld id="{6A3639C0-D2A6-45AE-83AA-C499180C85F5}" type="datetimeFigureOut">
               <a:rPr lang="en-GB" smtClean="0"/>
-              <a:t>07/06/2021</a:t>
+              <a:t>10/06/2021</a:t>
             </a:fld>
             <a:endParaRPr lang="en-GB"/>
           </a:p>
@@ -1606,7 +1606,7 @@
           <a:p>
             <a:fld id="{6A3639C0-D2A6-45AE-83AA-C499180C85F5}" type="datetimeFigureOut">
               <a:rPr lang="en-GB" smtClean="0"/>
-              <a:t>07/06/2021</a:t>
+              <a:t>10/06/2021</a:t>
             </a:fld>
             <a:endParaRPr lang="en-GB"/>
           </a:p>
@@ -1724,7 +1724,7 @@
           <a:p>
             <a:fld id="{6A3639C0-D2A6-45AE-83AA-C499180C85F5}" type="datetimeFigureOut">
               <a:rPr lang="en-GB" smtClean="0"/>
-              <a:t>07/06/2021</a:t>
+              <a:t>10/06/2021</a:t>
             </a:fld>
             <a:endParaRPr lang="en-GB"/>
           </a:p>
@@ -1819,7 +1819,7 @@
           <a:p>
             <a:fld id="{6A3639C0-D2A6-45AE-83AA-C499180C85F5}" type="datetimeFigureOut">
               <a:rPr lang="en-GB" smtClean="0"/>
-              <a:t>07/06/2021</a:t>
+              <a:t>10/06/2021</a:t>
             </a:fld>
             <a:endParaRPr lang="en-GB"/>
           </a:p>
@@ -2096,7 +2096,7 @@
           <a:p>
             <a:fld id="{6A3639C0-D2A6-45AE-83AA-C499180C85F5}" type="datetimeFigureOut">
               <a:rPr lang="en-GB" smtClean="0"/>
-              <a:t>07/06/2021</a:t>
+              <a:t>10/06/2021</a:t>
             </a:fld>
             <a:endParaRPr lang="en-GB"/>
           </a:p>
@@ -2353,7 +2353,7 @@
           <a:p>
             <a:fld id="{6A3639C0-D2A6-45AE-83AA-C499180C85F5}" type="datetimeFigureOut">
               <a:rPr lang="en-GB" smtClean="0"/>
-              <a:t>07/06/2021</a:t>
+              <a:t>10/06/2021</a:t>
             </a:fld>
             <a:endParaRPr lang="en-GB"/>
           </a:p>
@@ -2566,7 +2566,7 @@
           <a:p>
             <a:fld id="{6A3639C0-D2A6-45AE-83AA-C499180C85F5}" type="datetimeFigureOut">
               <a:rPr lang="en-GB" smtClean="0"/>
-              <a:t>07/06/2021</a:t>
+              <a:t>10/06/2021</a:t>
             </a:fld>
             <a:endParaRPr lang="en-GB"/>
           </a:p>
@@ -5495,7 +5495,7 @@
                 <a:latin typeface="Arial" panose="020B0604020202020204" pitchFamily="34" charset="0"/>
                 <a:cs typeface="Arial" panose="020B0604020202020204" pitchFamily="34" charset="0"/>
               </a:rPr>
-              <a:t>directly produce outcome variation, e.g. by influencing the identify of interaction partners and altering their fitness payoffs; or, </a:t>
+              <a:t>directly produce outcome variation, e.g. by influencing the identity of interaction partners and altering their fitness payoffs; or, </a:t>
             </a:r>
             <a:r>
               <a:rPr lang="en-GB" sz="1200" b="1" dirty="0">

--- a/Visualisations/Fig_Mechanisms_v.4.pptx
+++ b/Visualisations/Fig_Mechanisms_v.4.pptx
@@ -243,7 +243,7 @@
           <a:p>
             <a:fld id="{6A3639C0-D2A6-45AE-83AA-C499180C85F5}" type="datetimeFigureOut">
               <a:rPr lang="en-GB" smtClean="0"/>
-              <a:t>10/06/2021</a:t>
+              <a:t>11/06/2021</a:t>
             </a:fld>
             <a:endParaRPr lang="en-GB"/>
           </a:p>
@@ -413,7 +413,7 @@
           <a:p>
             <a:fld id="{6A3639C0-D2A6-45AE-83AA-C499180C85F5}" type="datetimeFigureOut">
               <a:rPr lang="en-GB" smtClean="0"/>
-              <a:t>10/06/2021</a:t>
+              <a:t>11/06/2021</a:t>
             </a:fld>
             <a:endParaRPr lang="en-GB"/>
           </a:p>
@@ -593,7 +593,7 @@
           <a:p>
             <a:fld id="{6A3639C0-D2A6-45AE-83AA-C499180C85F5}" type="datetimeFigureOut">
               <a:rPr lang="en-GB" smtClean="0"/>
-              <a:t>10/06/2021</a:t>
+              <a:t>11/06/2021</a:t>
             </a:fld>
             <a:endParaRPr lang="en-GB"/>
           </a:p>
@@ -763,7 +763,7 @@
           <a:p>
             <a:fld id="{6A3639C0-D2A6-45AE-83AA-C499180C85F5}" type="datetimeFigureOut">
               <a:rPr lang="en-GB" smtClean="0"/>
-              <a:t>10/06/2021</a:t>
+              <a:t>11/06/2021</a:t>
             </a:fld>
             <a:endParaRPr lang="en-GB"/>
           </a:p>
@@ -1007,7 +1007,7 @@
           <a:p>
             <a:fld id="{6A3639C0-D2A6-45AE-83AA-C499180C85F5}" type="datetimeFigureOut">
               <a:rPr lang="en-GB" smtClean="0"/>
-              <a:t>10/06/2021</a:t>
+              <a:t>11/06/2021</a:t>
             </a:fld>
             <a:endParaRPr lang="en-GB"/>
           </a:p>
@@ -1239,7 +1239,7 @@
           <a:p>
             <a:fld id="{6A3639C0-D2A6-45AE-83AA-C499180C85F5}" type="datetimeFigureOut">
               <a:rPr lang="en-GB" smtClean="0"/>
-              <a:t>10/06/2021</a:t>
+              <a:t>11/06/2021</a:t>
             </a:fld>
             <a:endParaRPr lang="en-GB"/>
           </a:p>
@@ -1606,7 +1606,7 @@
           <a:p>
             <a:fld id="{6A3639C0-D2A6-45AE-83AA-C499180C85F5}" type="datetimeFigureOut">
               <a:rPr lang="en-GB" smtClean="0"/>
-              <a:t>10/06/2021</a:t>
+              <a:t>11/06/2021</a:t>
             </a:fld>
             <a:endParaRPr lang="en-GB"/>
           </a:p>
@@ -1724,7 +1724,7 @@
           <a:p>
             <a:fld id="{6A3639C0-D2A6-45AE-83AA-C499180C85F5}" type="datetimeFigureOut">
               <a:rPr lang="en-GB" smtClean="0"/>
-              <a:t>10/06/2021</a:t>
+              <a:t>11/06/2021</a:t>
             </a:fld>
             <a:endParaRPr lang="en-GB"/>
           </a:p>
@@ -1819,7 +1819,7 @@
           <a:p>
             <a:fld id="{6A3639C0-D2A6-45AE-83AA-C499180C85F5}" type="datetimeFigureOut">
               <a:rPr lang="en-GB" smtClean="0"/>
-              <a:t>10/06/2021</a:t>
+              <a:t>11/06/2021</a:t>
             </a:fld>
             <a:endParaRPr lang="en-GB"/>
           </a:p>
@@ -2096,7 +2096,7 @@
           <a:p>
             <a:fld id="{6A3639C0-D2A6-45AE-83AA-C499180C85F5}" type="datetimeFigureOut">
               <a:rPr lang="en-GB" smtClean="0"/>
-              <a:t>10/06/2021</a:t>
+              <a:t>11/06/2021</a:t>
             </a:fld>
             <a:endParaRPr lang="en-GB"/>
           </a:p>
@@ -2353,7 +2353,7 @@
           <a:p>
             <a:fld id="{6A3639C0-D2A6-45AE-83AA-C499180C85F5}" type="datetimeFigureOut">
               <a:rPr lang="en-GB" smtClean="0"/>
-              <a:t>10/06/2021</a:t>
+              <a:t>11/06/2021</a:t>
             </a:fld>
             <a:endParaRPr lang="en-GB"/>
           </a:p>
@@ -2566,7 +2566,7 @@
           <a:p>
             <a:fld id="{6A3639C0-D2A6-45AE-83AA-C499180C85F5}" type="datetimeFigureOut">
               <a:rPr lang="en-GB" smtClean="0"/>
-              <a:t>10/06/2021</a:t>
+              <a:t>11/06/2021</a:t>
             </a:fld>
             <a:endParaRPr lang="en-GB"/>
           </a:p>
@@ -5425,125 +5425,6 @@
       </p:sp>
       <p:sp>
         <p:nvSpPr>
-          <p:cNvPr id="24" name="Rectangle 23">
-            <a:extLst>
-              <a:ext uri="{FF2B5EF4-FFF2-40B4-BE49-F238E27FC236}">
-                <a16:creationId xmlns:a16="http://schemas.microsoft.com/office/drawing/2014/main" id="{F5F49C06-7E04-4FCF-9D02-EF1CBF581FF4}"/>
-              </a:ext>
-            </a:extLst>
-          </p:cNvPr>
-          <p:cNvSpPr/>
-          <p:nvPr/>
-        </p:nvSpPr>
-        <p:spPr>
-          <a:xfrm>
-            <a:off x="1499814" y="8705949"/>
-            <a:ext cx="5027110" cy="1758879"/>
-          </a:xfrm>
-          <a:prstGeom prst="rect">
-            <a:avLst/>
-          </a:prstGeom>
-        </p:spPr>
-        <p:txBody>
-          <a:bodyPr wrap="square">
-            <a:spAutoFit/>
-          </a:bodyPr>
-          <a:lstStyle/>
-          <a:p>
-            <a:pPr>
-              <a:lnSpc>
-                <a:spcPct val="114000"/>
-              </a:lnSpc>
-            </a:pPr>
-            <a:r>
-              <a:rPr lang="en-GB" sz="1200" b="1" dirty="0">
-                <a:latin typeface="Arial" panose="020B0604020202020204" pitchFamily="34" charset="0"/>
-                <a:cs typeface="Arial" panose="020B0604020202020204" pitchFamily="34" charset="0"/>
-              </a:rPr>
-              <a:t>C. </a:t>
-            </a:r>
-            <a:r>
-              <a:rPr lang="en-GB" sz="1200" dirty="0">
-                <a:latin typeface="Arial" panose="020B0604020202020204" pitchFamily="34" charset="0"/>
-                <a:cs typeface="Arial" panose="020B0604020202020204" pitchFamily="34" charset="0"/>
-              </a:rPr>
-              <a:t>Linking trait variance and composition with shifts along a general continuum. Changes in trait variance may; </a:t>
-            </a:r>
-            <a:r>
-              <a:rPr lang="en-GB" sz="1200" b="1" dirty="0">
-                <a:latin typeface="Arial" panose="020B0604020202020204" pitchFamily="34" charset="0"/>
-                <a:cs typeface="Arial" panose="020B0604020202020204" pitchFamily="34" charset="0"/>
-              </a:rPr>
-              <a:t>(</a:t>
-            </a:r>
-            <a:r>
-              <a:rPr lang="en-GB" sz="1200" b="1" dirty="0" err="1">
-                <a:latin typeface="Arial" panose="020B0604020202020204" pitchFamily="34" charset="0"/>
-                <a:cs typeface="Arial" panose="020B0604020202020204" pitchFamily="34" charset="0"/>
-              </a:rPr>
-              <a:t>i</a:t>
-            </a:r>
-            <a:r>
-              <a:rPr lang="en-GB" sz="1200" b="1" dirty="0">
-                <a:latin typeface="Arial" panose="020B0604020202020204" pitchFamily="34" charset="0"/>
-                <a:cs typeface="Arial" panose="020B0604020202020204" pitchFamily="34" charset="0"/>
-              </a:rPr>
-              <a:t>) </a:t>
-            </a:r>
-            <a:r>
-              <a:rPr lang="en-GB" sz="1200" dirty="0">
-                <a:latin typeface="Arial" panose="020B0604020202020204" pitchFamily="34" charset="0"/>
-                <a:cs typeface="Arial" panose="020B0604020202020204" pitchFamily="34" charset="0"/>
-              </a:rPr>
-              <a:t>directly produce outcome variation, e.g. by influencing the identity of interaction partners and altering their fitness payoffs; or, </a:t>
-            </a:r>
-            <a:r>
-              <a:rPr lang="en-GB" sz="1200" b="1" dirty="0">
-                <a:latin typeface="Arial" panose="020B0604020202020204" pitchFamily="34" charset="0"/>
-                <a:cs typeface="Arial" panose="020B0604020202020204" pitchFamily="34" charset="0"/>
-              </a:rPr>
-              <a:t>(ii) </a:t>
-            </a:r>
-            <a:r>
-              <a:rPr lang="en-GB" sz="1200" dirty="0">
-                <a:latin typeface="Arial" panose="020B0604020202020204" pitchFamily="34" charset="0"/>
-                <a:cs typeface="Arial" panose="020B0604020202020204" pitchFamily="34" charset="0"/>
-              </a:rPr>
-              <a:t>induce changes in the composition of cooperation-antagonism linked traits, e.g. by inducing behavioural plasticity (i.e. </a:t>
-            </a:r>
-            <a:r>
-              <a:rPr lang="en-GB" sz="1200" i="1" dirty="0">
-                <a:latin typeface="Arial" panose="020B0604020202020204" pitchFamily="34" charset="0"/>
-                <a:cs typeface="Arial" panose="020B0604020202020204" pitchFamily="34" charset="0"/>
-              </a:rPr>
-              <a:t>systemic variance effects, </a:t>
-            </a:r>
-            <a:r>
-              <a:rPr lang="en-GB" sz="1200" dirty="0">
-                <a:latin typeface="Arial" panose="020B0604020202020204" pitchFamily="34" charset="0"/>
-                <a:cs typeface="Arial" panose="020B0604020202020204" pitchFamily="34" charset="0"/>
-              </a:rPr>
-              <a:t>marked in blue). Changes in the composition of cooperation-antagonism linked traits then directly lead to outcome variation (i.e. </a:t>
-            </a:r>
-            <a:r>
-              <a:rPr lang="en-GB" sz="1200" i="1" dirty="0">
-                <a:latin typeface="Arial" panose="020B0604020202020204" pitchFamily="34" charset="0"/>
-                <a:cs typeface="Arial" panose="020B0604020202020204" pitchFamily="34" charset="0"/>
-              </a:rPr>
-              <a:t>trait frequency effects, </a:t>
-            </a:r>
-            <a:r>
-              <a:rPr lang="en-GB" sz="1200" dirty="0">
-                <a:latin typeface="Arial" panose="020B0604020202020204" pitchFamily="34" charset="0"/>
-                <a:cs typeface="Arial" panose="020B0604020202020204" pitchFamily="34" charset="0"/>
-              </a:rPr>
-              <a:t>marked in green).</a:t>
-            </a:r>
-          </a:p>
-        </p:txBody>
-      </p:sp>
-      <p:sp>
-        <p:nvSpPr>
           <p:cNvPr id="25" name="Rectangle 24">
             <a:extLst>
               <a:ext uri="{FF2B5EF4-FFF2-40B4-BE49-F238E27FC236}">
@@ -6706,6 +6587,125 @@
           </a:fontRef>
         </p:style>
       </p:cxnSp>
+      <p:sp>
+        <p:nvSpPr>
+          <p:cNvPr id="24" name="Rectangle 23">
+            <a:extLst>
+              <a:ext uri="{FF2B5EF4-FFF2-40B4-BE49-F238E27FC236}">
+                <a16:creationId xmlns:a16="http://schemas.microsoft.com/office/drawing/2014/main" id="{F5F49C06-7E04-4FCF-9D02-EF1CBF581FF4}"/>
+              </a:ext>
+            </a:extLst>
+          </p:cNvPr>
+          <p:cNvSpPr/>
+          <p:nvPr/>
+        </p:nvSpPr>
+        <p:spPr>
+          <a:xfrm>
+            <a:off x="1499814" y="8705949"/>
+            <a:ext cx="5039882" cy="1758879"/>
+          </a:xfrm>
+          <a:prstGeom prst="rect">
+            <a:avLst/>
+          </a:prstGeom>
+        </p:spPr>
+        <p:txBody>
+          <a:bodyPr wrap="square">
+            <a:spAutoFit/>
+          </a:bodyPr>
+          <a:lstStyle/>
+          <a:p>
+            <a:pPr>
+              <a:lnSpc>
+                <a:spcPct val="114000"/>
+              </a:lnSpc>
+            </a:pPr>
+            <a:r>
+              <a:rPr lang="en-GB" sz="1200" b="1" dirty="0">
+                <a:latin typeface="Arial" panose="020B0604020202020204" pitchFamily="34" charset="0"/>
+                <a:cs typeface="Arial" panose="020B0604020202020204" pitchFamily="34" charset="0"/>
+              </a:rPr>
+              <a:t>C. </a:t>
+            </a:r>
+            <a:r>
+              <a:rPr lang="en-GB" sz="1200" dirty="0">
+                <a:latin typeface="Arial" panose="020B0604020202020204" pitchFamily="34" charset="0"/>
+                <a:cs typeface="Arial" panose="020B0604020202020204" pitchFamily="34" charset="0"/>
+              </a:rPr>
+              <a:t>Links between trait frequency and variance effects. Changes in the composition of cooperation-antagonism linked traits can directly lead to outcome variation (i.e. </a:t>
+            </a:r>
+            <a:r>
+              <a:rPr lang="en-GB" sz="1200" i="1" dirty="0">
+                <a:latin typeface="Arial" panose="020B0604020202020204" pitchFamily="34" charset="0"/>
+                <a:cs typeface="Arial" panose="020B0604020202020204" pitchFamily="34" charset="0"/>
+              </a:rPr>
+              <a:t>trait frequency effects</a:t>
+            </a:r>
+            <a:r>
+              <a:rPr lang="en-GB" sz="1200" dirty="0">
+                <a:latin typeface="Arial" panose="020B0604020202020204" pitchFamily="34" charset="0"/>
+                <a:cs typeface="Arial" panose="020B0604020202020204" pitchFamily="34" charset="0"/>
+              </a:rPr>
+              <a:t>, marked in green). Changes in trait variance can lead to </a:t>
+            </a:r>
+            <a:r>
+              <a:rPr lang="en-GB" sz="1200" i="1" dirty="0">
+                <a:latin typeface="Arial" panose="020B0604020202020204" pitchFamily="34" charset="0"/>
+                <a:cs typeface="Arial" panose="020B0604020202020204" pitchFamily="34" charset="0"/>
+              </a:rPr>
+              <a:t>systemic variance effects </a:t>
+            </a:r>
+            <a:r>
+              <a:rPr lang="en-GB" sz="1200" dirty="0">
+                <a:latin typeface="Arial" panose="020B0604020202020204" pitchFamily="34" charset="0"/>
+                <a:cs typeface="Arial" panose="020B0604020202020204" pitchFamily="34" charset="0"/>
+              </a:rPr>
+              <a:t>(marked in blue) by </a:t>
+            </a:r>
+            <a:r>
+              <a:rPr lang="en-GB" sz="1200" b="1" dirty="0">
+                <a:latin typeface="Arial" panose="020B0604020202020204" pitchFamily="34" charset="0"/>
+                <a:cs typeface="Arial" panose="020B0604020202020204" pitchFamily="34" charset="0"/>
+              </a:rPr>
+              <a:t>(</a:t>
+            </a:r>
+            <a:r>
+              <a:rPr lang="en-GB" sz="1200" b="1" dirty="0" err="1">
+                <a:latin typeface="Arial" panose="020B0604020202020204" pitchFamily="34" charset="0"/>
+                <a:cs typeface="Arial" panose="020B0604020202020204" pitchFamily="34" charset="0"/>
+              </a:rPr>
+              <a:t>i</a:t>
+            </a:r>
+            <a:r>
+              <a:rPr lang="en-GB" sz="1200" b="1" dirty="0">
+                <a:latin typeface="Arial" panose="020B0604020202020204" pitchFamily="34" charset="0"/>
+                <a:cs typeface="Arial" panose="020B0604020202020204" pitchFamily="34" charset="0"/>
+              </a:rPr>
+              <a:t>) </a:t>
+            </a:r>
+            <a:r>
+              <a:rPr lang="en-GB" sz="1200" dirty="0">
+                <a:latin typeface="Arial" panose="020B0604020202020204" pitchFamily="34" charset="0"/>
+                <a:cs typeface="Arial" panose="020B0604020202020204" pitchFamily="34" charset="0"/>
+              </a:rPr>
+              <a:t>directly producing outcome variation, e.g. by influencing the identity of interaction partners and altering their fitness payoffs; or, </a:t>
+            </a:r>
+            <a:r>
+              <a:rPr lang="en-GB" sz="1200" b="1" dirty="0">
+                <a:latin typeface="Arial" panose="020B0604020202020204" pitchFamily="34" charset="0"/>
+                <a:cs typeface="Arial" panose="020B0604020202020204" pitchFamily="34" charset="0"/>
+              </a:rPr>
+              <a:t>(ii) </a:t>
+            </a:r>
+            <a:r>
+              <a:rPr lang="en-GB" sz="1200" dirty="0">
+                <a:latin typeface="Arial" panose="020B0604020202020204" pitchFamily="34" charset="0"/>
+                <a:cs typeface="Arial" panose="020B0604020202020204" pitchFamily="34" charset="0"/>
+              </a:rPr>
+              <a:t>inducing changes in the composition of cooperation-antagonism linked traits, e.g. by inducing behavioural plasticity in those traits. </a:t>
+            </a:r>
+          </a:p>
+        </p:txBody>
+      </p:sp>
     </p:spTree>
     <p:extLst>
       <p:ext uri="{BB962C8B-B14F-4D97-AF65-F5344CB8AC3E}">
